--- a/02_sensors_actors.pptx
+++ b/02_sensors_actors.pptx
@@ -5,30 +5,18 @@
     <p:sldMasterId id="2147483686" r:id="rId1"/>
   </p:sldMasterIdLst>
   <p:notesMasterIdLst>
-    <p:notesMasterId r:id="rId20"/>
+    <p:notesMasterId r:id="rId8"/>
   </p:notesMasterIdLst>
   <p:handoutMasterIdLst>
-    <p:handoutMasterId r:id="rId21"/>
+    <p:handoutMasterId r:id="rId9"/>
   </p:handoutMasterIdLst>
   <p:sldIdLst>
-    <p:sldId id="635" r:id="rId2"/>
-    <p:sldId id="656" r:id="rId3"/>
-    <p:sldId id="669" r:id="rId4"/>
-    <p:sldId id="657" r:id="rId5"/>
-    <p:sldId id="658" r:id="rId6"/>
-    <p:sldId id="659" r:id="rId7"/>
-    <p:sldId id="660" r:id="rId8"/>
-    <p:sldId id="661" r:id="rId9"/>
-    <p:sldId id="662" r:id="rId10"/>
-    <p:sldId id="663" r:id="rId11"/>
-    <p:sldId id="664" r:id="rId12"/>
-    <p:sldId id="665" r:id="rId13"/>
-    <p:sldId id="666" r:id="rId14"/>
-    <p:sldId id="667" r:id="rId15"/>
-    <p:sldId id="668" r:id="rId16"/>
-    <p:sldId id="670" r:id="rId17"/>
-    <p:sldId id="671" r:id="rId18"/>
-    <p:sldId id="672" r:id="rId19"/>
+    <p:sldId id="673" r:id="rId2"/>
+    <p:sldId id="678" r:id="rId3"/>
+    <p:sldId id="675" r:id="rId4"/>
+    <p:sldId id="674" r:id="rId5"/>
+    <p:sldId id="676" r:id="rId6"/>
+    <p:sldId id="677" r:id="rId7"/>
   </p:sldIdLst>
   <p:sldSz cx="9144000" cy="6858000" type="screen4x3"/>
   <p:notesSz cx="6797675" cy="9926638"/>
@@ -297,7 +285,7 @@
               <a:pPr>
                 <a:defRPr/>
               </a:pPr>
-              <a:t>15.05.2019</a:t>
+              <a:t>20.06.2019</a:t>
             </a:fld>
             <a:endParaRPr lang="de-AT"/>
           </a:p>
@@ -512,7 +500,7 @@
               <a:pPr>
                 <a:defRPr/>
               </a:pPr>
-              <a:t>15.05.2019</a:t>
+              <a:t>20.06.2019</a:t>
             </a:fld>
             <a:endParaRPr lang="de-AT"/>
           </a:p>
@@ -2149,7 +2137,7 @@
           <p:cNvPr id="2" name="Titel 1">
             <a:extLst>
               <a:ext uri="{FF2B5EF4-FFF2-40B4-BE49-F238E27FC236}">
-                <a16:creationId xmlns:a16="http://schemas.microsoft.com/office/drawing/2014/main" id="{48AAB2BE-FFBE-4C54-8180-81BF39D9426B}"/>
+                <a16:creationId xmlns:a16="http://schemas.microsoft.com/office/drawing/2014/main" id="{C7C08397-9501-41F1-9B9F-453EFC7236BF}"/>
               </a:ext>
             </a:extLst>
           </p:cNvPr>
@@ -2166,18 +2154,9 @@
           <a:lstStyle/>
           <a:p>
             <a:r>
-              <a:rPr lang="de-DE" dirty="0" err="1"/>
-              <a:t>Iot</a:t>
-            </a:r>
-            <a:r>
               <a:rPr lang="de-DE" dirty="0"/>
-              <a:t> mit Esp32 und </a:t>
-            </a:r>
-            <a:r>
-              <a:rPr lang="de-DE" dirty="0" err="1"/>
-              <a:t>Esp-Idf</a:t>
-            </a:r>
-            <a:endParaRPr lang="de-DE" dirty="0"/>
+              <a:t>Sensoren</a:t>
+            </a:r>
           </a:p>
         </p:txBody>
       </p:sp>
@@ -2186,7 +2165,7 @@
           <p:cNvPr id="3" name="Textplatzhalter 2">
             <a:extLst>
               <a:ext uri="{FF2B5EF4-FFF2-40B4-BE49-F238E27FC236}">
-                <a16:creationId xmlns:a16="http://schemas.microsoft.com/office/drawing/2014/main" id="{7C400C9C-704C-4951-BBDC-BC55124199B5}"/>
+                <a16:creationId xmlns:a16="http://schemas.microsoft.com/office/drawing/2014/main" id="{D5A7CEDD-5245-492B-A4AD-E6B4DF64EE6A}"/>
               </a:ext>
             </a:extLst>
           </p:cNvPr>
@@ -2204,39 +2183,7 @@
           <a:p>
             <a:r>
               <a:rPr lang="de-DE" dirty="0"/>
-              <a:t>Verwendung der Basisbibliotheken von </a:t>
-            </a:r>
-            <a:r>
-              <a:rPr lang="de-DE" dirty="0" err="1"/>
-              <a:t>Espressif</a:t>
-            </a:r>
-            <a:endParaRPr lang="de-DE" dirty="0"/>
-          </a:p>
-          <a:p>
-            <a:r>
-              <a:rPr lang="de-DE" dirty="0" err="1"/>
-              <a:t>PlatformIO</a:t>
-            </a:r>
-            <a:r>
-              <a:rPr lang="de-DE" dirty="0"/>
-              <a:t> auf Basis </a:t>
-            </a:r>
-            <a:r>
-              <a:rPr lang="de-DE" dirty="0" err="1"/>
-              <a:t>Esp-Idf</a:t>
-            </a:r>
-            <a:endParaRPr lang="de-DE" dirty="0"/>
-          </a:p>
-          <a:p>
-            <a:r>
-              <a:rPr lang="de-DE" dirty="0"/>
-              <a:t>Aktuellste Entwicklungen</a:t>
-            </a:r>
-          </a:p>
-          <a:p>
-            <a:r>
-              <a:rPr lang="de-DE" dirty="0"/>
-              <a:t>Hoffnung auf stabile und fehlerarme Bibliotheken</a:t>
+              <a:t>Powersensor TA12-100</a:t>
             </a:r>
           </a:p>
         </p:txBody>
@@ -2244,1445 +2191,7 @@
     </p:spTree>
     <p:extLst>
       <p:ext uri="{BB962C8B-B14F-4D97-AF65-F5344CB8AC3E}">
-        <p14:creationId xmlns:p14="http://schemas.microsoft.com/office/powerpoint/2010/main" val="3809103724"/>
-      </p:ext>
-    </p:extLst>
-  </p:cSld>
-  <p:clrMapOvr>
-    <a:masterClrMapping/>
-  </p:clrMapOvr>
-</p:sld>
-</file>
-
-<file path=ppt/slides/slide10.xml><?xml version="1.0" encoding="utf-8"?>
-<p:sld xmlns:a="http://schemas.openxmlformats.org/drawingml/2006/main" xmlns:r="http://schemas.openxmlformats.org/officeDocument/2006/relationships" xmlns:p="http://schemas.openxmlformats.org/presentationml/2006/main">
-  <p:cSld>
-    <p:spTree>
-      <p:nvGrpSpPr>
-        <p:cNvPr id="1" name=""/>
-        <p:cNvGrpSpPr/>
-        <p:nvPr/>
-      </p:nvGrpSpPr>
-      <p:grpSpPr>
-        <a:xfrm>
-          <a:off x="0" y="0"/>
-          <a:ext cx="0" cy="0"/>
-          <a:chOff x="0" y="0"/>
-          <a:chExt cx="0" cy="0"/>
-        </a:xfrm>
-      </p:grpSpPr>
-      <p:sp>
-        <p:nvSpPr>
-          <p:cNvPr id="2" name="Titel 1">
-            <a:extLst>
-              <a:ext uri="{FF2B5EF4-FFF2-40B4-BE49-F238E27FC236}">
-                <a16:creationId xmlns:a16="http://schemas.microsoft.com/office/drawing/2014/main" id="{C324256B-6A6A-48B2-A74D-2366833E4A33}"/>
-              </a:ext>
-            </a:extLst>
-          </p:cNvPr>
-          <p:cNvSpPr>
-            <a:spLocks noGrp="1"/>
-          </p:cNvSpPr>
-          <p:nvPr>
-            <p:ph type="title"/>
-          </p:nvPr>
-        </p:nvSpPr>
-        <p:spPr/>
-        <p:txBody>
-          <a:bodyPr/>
-          <a:lstStyle/>
-          <a:p>
-            <a:r>
-              <a:rPr lang="de-DE" dirty="0"/>
-              <a:t>Wifi-</a:t>
-            </a:r>
-            <a:r>
-              <a:rPr lang="de-DE" dirty="0" err="1"/>
-              <a:t>Config</a:t>
-            </a:r>
-            <a:r>
-              <a:rPr lang="de-DE" dirty="0"/>
-              <a:t> setzen</a:t>
-            </a:r>
-          </a:p>
-        </p:txBody>
-      </p:sp>
-      <p:sp>
-        <p:nvSpPr>
-          <p:cNvPr id="3" name="Textplatzhalter 2">
-            <a:extLst>
-              <a:ext uri="{FF2B5EF4-FFF2-40B4-BE49-F238E27FC236}">
-                <a16:creationId xmlns:a16="http://schemas.microsoft.com/office/drawing/2014/main" id="{137C7AE0-7F70-45C5-B089-11F5391E825C}"/>
-              </a:ext>
-            </a:extLst>
-          </p:cNvPr>
-          <p:cNvSpPr>
-            <a:spLocks noGrp="1"/>
-          </p:cNvSpPr>
-          <p:nvPr>
-            <p:ph type="body" sz="quarter" idx="10"/>
-          </p:nvPr>
-        </p:nvSpPr>
-        <p:spPr/>
-        <p:txBody>
-          <a:bodyPr/>
-          <a:lstStyle/>
-          <a:p>
-            <a:r>
-              <a:rPr lang="de-DE" sz="2400" dirty="0" err="1"/>
-              <a:t>Esp</a:t>
-            </a:r>
-            <a:r>
-              <a:rPr lang="de-DE" sz="2400" dirty="0"/>
-              <a:t> als AP starten</a:t>
-            </a:r>
-          </a:p>
-          <a:p>
-            <a:r>
-              <a:rPr lang="de-DE" sz="2400" dirty="0"/>
-              <a:t>Mit AP verbinden</a:t>
-            </a:r>
-          </a:p>
-          <a:p>
-            <a:r>
-              <a:rPr lang="de-DE" sz="2400" dirty="0"/>
-              <a:t>Route /</a:t>
-            </a:r>
-            <a:r>
-              <a:rPr lang="de-DE" sz="2400" dirty="0" err="1"/>
-              <a:t>setconfig</a:t>
-            </a:r>
-            <a:r>
-              <a:rPr lang="de-DE" sz="2400" dirty="0"/>
-              <a:t> aufrufen</a:t>
-            </a:r>
-          </a:p>
-          <a:p>
-            <a:pPr lvl="1"/>
-            <a:r>
-              <a:rPr lang="de-DE" sz="2000" dirty="0">
-                <a:hlinkClick r:id="rId2"/>
-              </a:rPr>
-              <a:t>http://192.168.10.1/setconfig?ssid=xxxx&amp;password=yyyy</a:t>
-            </a:r>
-            <a:r>
-              <a:rPr lang="de-DE" sz="2000" dirty="0"/>
-              <a:t>  </a:t>
-            </a:r>
-          </a:p>
-          <a:p>
-            <a:r>
-              <a:rPr lang="de-DE" sz="2200" dirty="0" err="1"/>
-              <a:t>Esp</a:t>
-            </a:r>
-            <a:r>
-              <a:rPr lang="de-DE" sz="2200" dirty="0"/>
-              <a:t> RESET</a:t>
-            </a:r>
-          </a:p>
-          <a:p>
-            <a:pPr lvl="1"/>
-            <a:r>
-              <a:rPr lang="de-DE" sz="2000" dirty="0" err="1"/>
-              <a:t>Config</a:t>
-            </a:r>
-            <a:r>
-              <a:rPr lang="de-DE" sz="2000" dirty="0"/>
-              <a:t> kontrollieren, ob SSID eingetragen ist</a:t>
-            </a:r>
-          </a:p>
-          <a:p>
-            <a:r>
-              <a:rPr lang="de-DE" sz="2200" dirty="0" err="1"/>
-              <a:t>Esp</a:t>
-            </a:r>
-            <a:r>
-              <a:rPr lang="de-DE" sz="2200" dirty="0"/>
-              <a:t> als Station starten</a:t>
-            </a:r>
-          </a:p>
-          <a:p>
-            <a:pPr lvl="1"/>
-            <a:endParaRPr lang="de-DE" sz="2000" dirty="0"/>
-          </a:p>
-        </p:txBody>
-      </p:sp>
-    </p:spTree>
-    <p:extLst>
-      <p:ext uri="{BB962C8B-B14F-4D97-AF65-F5344CB8AC3E}">
-        <p14:creationId xmlns:p14="http://schemas.microsoft.com/office/powerpoint/2010/main" val="3986667455"/>
-      </p:ext>
-    </p:extLst>
-  </p:cSld>
-  <p:clrMapOvr>
-    <a:masterClrMapping/>
-  </p:clrMapOvr>
-</p:sld>
-</file>
-
-<file path=ppt/slides/slide11.xml><?xml version="1.0" encoding="utf-8"?>
-<p:sld xmlns:a="http://schemas.openxmlformats.org/drawingml/2006/main" xmlns:r="http://schemas.openxmlformats.org/officeDocument/2006/relationships" xmlns:p="http://schemas.openxmlformats.org/presentationml/2006/main">
-  <p:cSld>
-    <p:spTree>
-      <p:nvGrpSpPr>
-        <p:cNvPr id="1" name=""/>
-        <p:cNvGrpSpPr/>
-        <p:nvPr/>
-      </p:nvGrpSpPr>
-      <p:grpSpPr>
-        <a:xfrm>
-          <a:off x="0" y="0"/>
-          <a:ext cx="0" cy="0"/>
-          <a:chOff x="0" y="0"/>
-          <a:chExt cx="0" cy="0"/>
-        </a:xfrm>
-      </p:grpSpPr>
-      <p:sp>
-        <p:nvSpPr>
-          <p:cNvPr id="2" name="Titel 1">
-            <a:extLst>
-              <a:ext uri="{FF2B5EF4-FFF2-40B4-BE49-F238E27FC236}">
-                <a16:creationId xmlns:a16="http://schemas.microsoft.com/office/drawing/2014/main" id="{DEAF941A-AC67-4CB9-81A8-4E8A1C2B1F8A}"/>
-              </a:ext>
-            </a:extLst>
-          </p:cNvPr>
-          <p:cNvSpPr>
-            <a:spLocks noGrp="1"/>
-          </p:cNvSpPr>
-          <p:nvPr>
-            <p:ph type="title"/>
-          </p:nvPr>
-        </p:nvSpPr>
-        <p:spPr/>
-        <p:txBody>
-          <a:bodyPr/>
-          <a:lstStyle/>
-          <a:p>
-            <a:r>
-              <a:rPr lang="de-DE" dirty="0" err="1"/>
-              <a:t>EspStationTest</a:t>
-            </a:r>
-            <a:endParaRPr lang="de-DE" dirty="0"/>
-          </a:p>
-        </p:txBody>
-      </p:sp>
-      <p:sp>
-        <p:nvSpPr>
-          <p:cNvPr id="3" name="Textplatzhalter 2">
-            <a:extLst>
-              <a:ext uri="{FF2B5EF4-FFF2-40B4-BE49-F238E27FC236}">
-                <a16:creationId xmlns:a16="http://schemas.microsoft.com/office/drawing/2014/main" id="{1F853CCF-75FA-415C-9F68-81EC4D9EC450}"/>
-              </a:ext>
-            </a:extLst>
-          </p:cNvPr>
-          <p:cNvSpPr>
-            <a:spLocks noGrp="1"/>
-          </p:cNvSpPr>
-          <p:nvPr>
-            <p:ph type="body" sz="quarter" idx="10"/>
-          </p:nvPr>
-        </p:nvSpPr>
-        <p:spPr>
-          <a:xfrm>
-            <a:off x="323528" y="980728"/>
-            <a:ext cx="8207375" cy="4608165"/>
-          </a:xfrm>
-        </p:spPr>
-        <p:txBody>
-          <a:bodyPr/>
-          <a:lstStyle/>
-          <a:p>
-            <a:r>
-              <a:rPr lang="de-DE" sz="2000" dirty="0"/>
-              <a:t>Über </a:t>
-            </a:r>
-            <a:r>
-              <a:rPr lang="de-DE" sz="2000" dirty="0" err="1"/>
-              <a:t>EspConfigTest</a:t>
-            </a:r>
-            <a:r>
-              <a:rPr lang="de-DE" sz="2000" dirty="0"/>
-              <a:t> </a:t>
-            </a:r>
-            <a:r>
-              <a:rPr lang="de-DE" sz="1800" dirty="0"/>
-              <a:t>wurde</a:t>
-            </a:r>
-            <a:r>
-              <a:rPr lang="de-DE" sz="2000" dirty="0"/>
-              <a:t> </a:t>
-            </a:r>
-            <a:r>
-              <a:rPr lang="de-DE" sz="2000" dirty="0" err="1"/>
-              <a:t>ssid</a:t>
-            </a:r>
-            <a:r>
-              <a:rPr lang="de-DE" sz="2000" dirty="0"/>
-              <a:t>/</a:t>
-            </a:r>
-            <a:r>
-              <a:rPr lang="de-DE" sz="2000" dirty="0" err="1"/>
-              <a:t>password</a:t>
-            </a:r>
-            <a:r>
-              <a:rPr lang="de-DE" sz="2000" dirty="0"/>
-              <a:t> in den NVS geschrieben</a:t>
-            </a:r>
-          </a:p>
-          <a:p>
-            <a:endParaRPr lang="de-DE" sz="2000" dirty="0"/>
-          </a:p>
-        </p:txBody>
-      </p:sp>
-      <p:pic>
-        <p:nvPicPr>
-          <p:cNvPr id="4" name="Grafik 3">
-            <a:extLst>
-              <a:ext uri="{FF2B5EF4-FFF2-40B4-BE49-F238E27FC236}">
-                <a16:creationId xmlns:a16="http://schemas.microsoft.com/office/drawing/2014/main" id="{780FFB65-C34A-44A4-887E-0F0C0C1C2B7C}"/>
-              </a:ext>
-            </a:extLst>
-          </p:cNvPr>
-          <p:cNvPicPr>
-            <a:picLocks noChangeAspect="1"/>
-          </p:cNvPicPr>
-          <p:nvPr/>
-        </p:nvPicPr>
-        <p:blipFill>
-          <a:blip r:embed="rId2"/>
-          <a:stretch>
-            <a:fillRect/>
-          </a:stretch>
-        </p:blipFill>
-        <p:spPr>
-          <a:xfrm>
-            <a:off x="1043608" y="1588369"/>
-            <a:ext cx="7335274" cy="5144218"/>
-          </a:xfrm>
-          <a:prstGeom prst="rect">
-            <a:avLst/>
-          </a:prstGeom>
-        </p:spPr>
-      </p:pic>
-    </p:spTree>
-    <p:extLst>
-      <p:ext uri="{BB962C8B-B14F-4D97-AF65-F5344CB8AC3E}">
-        <p14:creationId xmlns:p14="http://schemas.microsoft.com/office/powerpoint/2010/main" val="4292450267"/>
-      </p:ext>
-    </p:extLst>
-  </p:cSld>
-  <p:clrMapOvr>
-    <a:masterClrMapping/>
-  </p:clrMapOvr>
-</p:sld>
-</file>
-
-<file path=ppt/slides/slide12.xml><?xml version="1.0" encoding="utf-8"?>
-<p:sld xmlns:a="http://schemas.openxmlformats.org/drawingml/2006/main" xmlns:r="http://schemas.openxmlformats.org/officeDocument/2006/relationships" xmlns:p="http://schemas.openxmlformats.org/presentationml/2006/main">
-  <p:cSld>
-    <p:spTree>
-      <p:nvGrpSpPr>
-        <p:cNvPr id="1" name=""/>
-        <p:cNvGrpSpPr/>
-        <p:nvPr/>
-      </p:nvGrpSpPr>
-      <p:grpSpPr>
-        <a:xfrm>
-          <a:off x="0" y="0"/>
-          <a:ext cx="0" cy="0"/>
-          <a:chOff x="0" y="0"/>
-          <a:chExt cx="0" cy="0"/>
-        </a:xfrm>
-      </p:grpSpPr>
-      <p:sp>
-        <p:nvSpPr>
-          <p:cNvPr id="2" name="Titel 1">
-            <a:extLst>
-              <a:ext uri="{FF2B5EF4-FFF2-40B4-BE49-F238E27FC236}">
-                <a16:creationId xmlns:a16="http://schemas.microsoft.com/office/drawing/2014/main" id="{06AE8FB6-0346-456B-95B7-6122166646BE}"/>
-              </a:ext>
-            </a:extLst>
-          </p:cNvPr>
-          <p:cNvSpPr>
-            <a:spLocks noGrp="1"/>
-          </p:cNvSpPr>
-          <p:nvPr>
-            <p:ph type="title"/>
-          </p:nvPr>
-        </p:nvSpPr>
-        <p:spPr/>
-        <p:txBody>
-          <a:bodyPr/>
-          <a:lstStyle/>
-          <a:p>
-            <a:r>
-              <a:rPr lang="de-DE" dirty="0"/>
-              <a:t>Routen testen</a:t>
-            </a:r>
-          </a:p>
-        </p:txBody>
-      </p:sp>
-      <p:sp>
-        <p:nvSpPr>
-          <p:cNvPr id="3" name="Textplatzhalter 2">
-            <a:extLst>
-              <a:ext uri="{FF2B5EF4-FFF2-40B4-BE49-F238E27FC236}">
-                <a16:creationId xmlns:a16="http://schemas.microsoft.com/office/drawing/2014/main" id="{97C78C10-5C07-4ECD-88F7-DFC5BC0A3878}"/>
-              </a:ext>
-            </a:extLst>
-          </p:cNvPr>
-          <p:cNvSpPr>
-            <a:spLocks noGrp="1"/>
-          </p:cNvSpPr>
-          <p:nvPr>
-            <p:ph type="body" sz="quarter" idx="10"/>
-          </p:nvPr>
-        </p:nvSpPr>
-        <p:spPr/>
-        <p:txBody>
-          <a:bodyPr/>
-          <a:lstStyle/>
-          <a:p>
-            <a:r>
-              <a:rPr lang="de-DE" dirty="0"/>
-              <a:t>/</a:t>
-            </a:r>
-            <a:r>
-              <a:rPr lang="de-DE" dirty="0" err="1"/>
-              <a:t>getconfig</a:t>
-            </a:r>
-            <a:endParaRPr lang="de-DE" dirty="0"/>
-          </a:p>
-        </p:txBody>
-      </p:sp>
-      <p:pic>
-        <p:nvPicPr>
-          <p:cNvPr id="4" name="Grafik 3">
-            <a:extLst>
-              <a:ext uri="{FF2B5EF4-FFF2-40B4-BE49-F238E27FC236}">
-                <a16:creationId xmlns:a16="http://schemas.microsoft.com/office/drawing/2014/main" id="{A872A354-0EE4-4C59-B8C4-B537682F1EE2}"/>
-              </a:ext>
-            </a:extLst>
-          </p:cNvPr>
-          <p:cNvPicPr>
-            <a:picLocks noChangeAspect="1"/>
-          </p:cNvPicPr>
-          <p:nvPr/>
-        </p:nvPicPr>
-        <p:blipFill>
-          <a:blip r:embed="rId2"/>
-          <a:stretch>
-            <a:fillRect/>
-          </a:stretch>
-        </p:blipFill>
-        <p:spPr>
-          <a:xfrm>
-            <a:off x="1043608" y="2204864"/>
-            <a:ext cx="6898114" cy="1800200"/>
-          </a:xfrm>
-          <a:prstGeom prst="rect">
-            <a:avLst/>
-          </a:prstGeom>
-        </p:spPr>
-      </p:pic>
-    </p:spTree>
-    <p:extLst>
-      <p:ext uri="{BB962C8B-B14F-4D97-AF65-F5344CB8AC3E}">
-        <p14:creationId xmlns:p14="http://schemas.microsoft.com/office/powerpoint/2010/main" val="1435487501"/>
-      </p:ext>
-    </p:extLst>
-  </p:cSld>
-  <p:clrMapOvr>
-    <a:masterClrMapping/>
-  </p:clrMapOvr>
-</p:sld>
-</file>
-
-<file path=ppt/slides/slide13.xml><?xml version="1.0" encoding="utf-8"?>
-<p:sld xmlns:a="http://schemas.openxmlformats.org/drawingml/2006/main" xmlns:r="http://schemas.openxmlformats.org/officeDocument/2006/relationships" xmlns:p="http://schemas.openxmlformats.org/presentationml/2006/main">
-  <p:cSld>
-    <p:spTree>
-      <p:nvGrpSpPr>
-        <p:cNvPr id="1" name=""/>
-        <p:cNvGrpSpPr/>
-        <p:nvPr/>
-      </p:nvGrpSpPr>
-      <p:grpSpPr>
-        <a:xfrm>
-          <a:off x="0" y="0"/>
-          <a:ext cx="0" cy="0"/>
-          <a:chOff x="0" y="0"/>
-          <a:chExt cx="0" cy="0"/>
-        </a:xfrm>
-      </p:grpSpPr>
-      <p:sp>
-        <p:nvSpPr>
-          <p:cNvPr id="2" name="Titel 1">
-            <a:extLst>
-              <a:ext uri="{FF2B5EF4-FFF2-40B4-BE49-F238E27FC236}">
-                <a16:creationId xmlns:a16="http://schemas.microsoft.com/office/drawing/2014/main" id="{B3247174-5C45-4B02-93C5-CC6270665AC3}"/>
-              </a:ext>
-            </a:extLst>
-          </p:cNvPr>
-          <p:cNvSpPr>
-            <a:spLocks noGrp="1"/>
-          </p:cNvSpPr>
-          <p:nvPr>
-            <p:ph type="title"/>
-          </p:nvPr>
-        </p:nvSpPr>
-        <p:spPr/>
-        <p:txBody>
-          <a:bodyPr/>
-          <a:lstStyle/>
-          <a:p>
-            <a:r>
-              <a:rPr lang="de-DE" dirty="0" err="1"/>
-              <a:t>EspTime</a:t>
-            </a:r>
-            <a:endParaRPr lang="de-DE" dirty="0"/>
-          </a:p>
-        </p:txBody>
-      </p:sp>
-      <p:sp>
-        <p:nvSpPr>
-          <p:cNvPr id="3" name="Textplatzhalter 2">
-            <a:extLst>
-              <a:ext uri="{FF2B5EF4-FFF2-40B4-BE49-F238E27FC236}">
-                <a16:creationId xmlns:a16="http://schemas.microsoft.com/office/drawing/2014/main" id="{474ABACE-8737-43FC-924D-13808E7340E9}"/>
-              </a:ext>
-            </a:extLst>
-          </p:cNvPr>
-          <p:cNvSpPr>
-            <a:spLocks noGrp="1"/>
-          </p:cNvSpPr>
-          <p:nvPr>
-            <p:ph type="body" sz="quarter" idx="10"/>
-          </p:nvPr>
-        </p:nvSpPr>
-        <p:spPr/>
-        <p:txBody>
-          <a:bodyPr/>
-          <a:lstStyle/>
-          <a:p>
-            <a:r>
-              <a:rPr lang="de-DE" dirty="0" err="1"/>
-              <a:t>Ntp</a:t>
-            </a:r>
-            <a:r>
-              <a:rPr lang="de-DE" dirty="0"/>
-              <a:t>-Server über </a:t>
-            </a:r>
-            <a:r>
-              <a:rPr lang="de-DE" dirty="0" err="1"/>
-              <a:t>Config</a:t>
-            </a:r>
-            <a:r>
-              <a:rPr lang="de-DE" dirty="0"/>
-              <a:t> „</a:t>
-            </a:r>
-            <a:r>
-              <a:rPr lang="de-DE" dirty="0" err="1"/>
-              <a:t>ntpserver</a:t>
-            </a:r>
-            <a:r>
-              <a:rPr lang="de-DE" dirty="0"/>
-              <a:t>“ setzen</a:t>
-            </a:r>
-          </a:p>
-          <a:p>
-            <a:pPr lvl="1"/>
-            <a:r>
-              <a:rPr lang="de-DE" dirty="0"/>
-              <a:t>Default, falls nicht erreichbar</a:t>
-            </a:r>
-          </a:p>
-          <a:p>
-            <a:pPr lvl="1"/>
-            <a:r>
-              <a:rPr lang="de-DE" dirty="0"/>
-              <a:t>Kein Netzwerk </a:t>
-            </a:r>
-            <a:r>
-              <a:rPr lang="de-DE" dirty="0">
-                <a:sym typeface="Wingdings" panose="05000000000000000000" pitchFamily="2" charset="2"/>
-              </a:rPr>
-              <a:t> </a:t>
-            </a:r>
-            <a:r>
-              <a:rPr lang="de-DE" dirty="0" err="1">
-                <a:sym typeface="Wingdings" panose="05000000000000000000" pitchFamily="2" charset="2"/>
-              </a:rPr>
-              <a:t>Tieout</a:t>
-            </a:r>
-            <a:r>
-              <a:rPr lang="de-DE" dirty="0">
-                <a:sym typeface="Wingdings" panose="05000000000000000000" pitchFamily="2" charset="2"/>
-              </a:rPr>
-              <a:t>  Zeit beginnt bei 0</a:t>
-            </a:r>
-          </a:p>
-          <a:p>
-            <a:r>
-              <a:rPr lang="de-DE" dirty="0" err="1">
-                <a:sym typeface="Wingdings" panose="05000000000000000000" pitchFamily="2" charset="2"/>
-              </a:rPr>
-              <a:t>EspTimeTest</a:t>
-            </a:r>
-            <a:endParaRPr lang="de-DE" dirty="0"/>
-          </a:p>
-        </p:txBody>
-      </p:sp>
-      <p:pic>
-        <p:nvPicPr>
-          <p:cNvPr id="4" name="Grafik 3">
-            <a:extLst>
-              <a:ext uri="{FF2B5EF4-FFF2-40B4-BE49-F238E27FC236}">
-                <a16:creationId xmlns:a16="http://schemas.microsoft.com/office/drawing/2014/main" id="{BA665468-73A1-47E8-AA42-B5FDF5E9BF14}"/>
-              </a:ext>
-            </a:extLst>
-          </p:cNvPr>
-          <p:cNvPicPr>
-            <a:picLocks noChangeAspect="1"/>
-          </p:cNvPicPr>
-          <p:nvPr/>
-        </p:nvPicPr>
-        <p:blipFill>
-          <a:blip r:embed="rId2"/>
-          <a:stretch>
-            <a:fillRect/>
-          </a:stretch>
-        </p:blipFill>
-        <p:spPr>
-          <a:xfrm>
-            <a:off x="323528" y="3429000"/>
-            <a:ext cx="8710879" cy="2663949"/>
-          </a:xfrm>
-          <a:prstGeom prst="rect">
-            <a:avLst/>
-          </a:prstGeom>
-        </p:spPr>
-      </p:pic>
-    </p:spTree>
-    <p:extLst>
-      <p:ext uri="{BB962C8B-B14F-4D97-AF65-F5344CB8AC3E}">
-        <p14:creationId xmlns:p14="http://schemas.microsoft.com/office/powerpoint/2010/main" val="3587128244"/>
-      </p:ext>
-    </p:extLst>
-  </p:cSld>
-  <p:clrMapOvr>
-    <a:masterClrMapping/>
-  </p:clrMapOvr>
-</p:sld>
-</file>
-
-<file path=ppt/slides/slide14.xml><?xml version="1.0" encoding="utf-8"?>
-<p:sld xmlns:a="http://schemas.openxmlformats.org/drawingml/2006/main" xmlns:r="http://schemas.openxmlformats.org/officeDocument/2006/relationships" xmlns:p="http://schemas.openxmlformats.org/presentationml/2006/main">
-  <p:cSld>
-    <p:spTree>
-      <p:nvGrpSpPr>
-        <p:cNvPr id="1" name=""/>
-        <p:cNvGrpSpPr/>
-        <p:nvPr/>
-      </p:nvGrpSpPr>
-      <p:grpSpPr>
-        <a:xfrm>
-          <a:off x="0" y="0"/>
-          <a:ext cx="0" cy="0"/>
-          <a:chOff x="0" y="0"/>
-          <a:chExt cx="0" cy="0"/>
-        </a:xfrm>
-      </p:grpSpPr>
-      <p:sp>
-        <p:nvSpPr>
-          <p:cNvPr id="2" name="Titel 1">
-            <a:extLst>
-              <a:ext uri="{FF2B5EF4-FFF2-40B4-BE49-F238E27FC236}">
-                <a16:creationId xmlns:a16="http://schemas.microsoft.com/office/drawing/2014/main" id="{30480CDB-44EE-49E6-A625-60AD571536DD}"/>
-              </a:ext>
-            </a:extLst>
-          </p:cNvPr>
-          <p:cNvSpPr>
-            <a:spLocks noGrp="1"/>
-          </p:cNvSpPr>
-          <p:nvPr>
-            <p:ph type="title"/>
-          </p:nvPr>
-        </p:nvSpPr>
-        <p:spPr/>
-        <p:txBody>
-          <a:bodyPr/>
-          <a:lstStyle/>
-          <a:p>
-            <a:r>
-              <a:rPr lang="de-DE" dirty="0" err="1"/>
-              <a:t>EspMqttClient</a:t>
-            </a:r>
-            <a:endParaRPr lang="de-DE" dirty="0"/>
-          </a:p>
-        </p:txBody>
-      </p:sp>
-      <p:sp>
-        <p:nvSpPr>
-          <p:cNvPr id="3" name="Textplatzhalter 2">
-            <a:extLst>
-              <a:ext uri="{FF2B5EF4-FFF2-40B4-BE49-F238E27FC236}">
-                <a16:creationId xmlns:a16="http://schemas.microsoft.com/office/drawing/2014/main" id="{617F4184-A554-4980-9EED-386D4C657320}"/>
-              </a:ext>
-            </a:extLst>
-          </p:cNvPr>
-          <p:cNvSpPr>
-            <a:spLocks noGrp="1"/>
-          </p:cNvSpPr>
-          <p:nvPr>
-            <p:ph type="body" sz="quarter" idx="10"/>
-          </p:nvPr>
-        </p:nvSpPr>
-        <p:spPr>
-          <a:xfrm>
-            <a:off x="251520" y="908720"/>
-            <a:ext cx="8207375" cy="4608165"/>
-          </a:xfrm>
-        </p:spPr>
-        <p:txBody>
-          <a:bodyPr/>
-          <a:lstStyle/>
-          <a:p>
-            <a:r>
-              <a:rPr lang="de-DE" sz="2000" dirty="0"/>
-              <a:t>Basis ist die </a:t>
-            </a:r>
-            <a:r>
-              <a:rPr lang="de-DE" sz="2000" dirty="0" err="1"/>
-              <a:t>Esp</a:t>
-            </a:r>
-            <a:r>
-              <a:rPr lang="de-DE" sz="2000" dirty="0"/>
-              <a:t>-IDF Implementierung</a:t>
-            </a:r>
-          </a:p>
-          <a:p>
-            <a:pPr lvl="1"/>
-            <a:r>
-              <a:rPr lang="de-DE" sz="1800" dirty="0"/>
-              <a:t>Nicht </a:t>
-            </a:r>
-            <a:r>
-              <a:rPr lang="de-DE" sz="1800" dirty="0" err="1"/>
-              <a:t>PubSubClient</a:t>
-            </a:r>
-            <a:endParaRPr lang="de-DE" sz="1800" dirty="0"/>
-          </a:p>
-          <a:p>
-            <a:r>
-              <a:rPr lang="de-DE" sz="2000" dirty="0"/>
-              <a:t>Automatisches </a:t>
-            </a:r>
-            <a:r>
-              <a:rPr lang="de-DE" sz="2000" dirty="0" err="1"/>
-              <a:t>reconnect</a:t>
-            </a:r>
-            <a:r>
-              <a:rPr lang="de-DE" sz="2000" dirty="0"/>
-              <a:t>()</a:t>
-            </a:r>
-          </a:p>
-          <a:p>
-            <a:r>
-              <a:rPr lang="de-DE" sz="2000" dirty="0"/>
-              <a:t>Kein Aufruf in Schleife notwendig</a:t>
-            </a:r>
-          </a:p>
-          <a:p>
-            <a:r>
-              <a:rPr lang="de-DE" sz="2000" dirty="0"/>
-              <a:t>Konfiguration über </a:t>
-            </a:r>
-            <a:r>
-              <a:rPr lang="de-DE" sz="2000" dirty="0" err="1"/>
-              <a:t>EspConfig</a:t>
-            </a:r>
-            <a:endParaRPr lang="de-DE" sz="2000" dirty="0"/>
-          </a:p>
-          <a:p>
-            <a:r>
-              <a:rPr lang="de-DE" sz="2000" dirty="0" err="1"/>
-              <a:t>EspMqttClientTest</a:t>
-            </a:r>
-            <a:endParaRPr lang="de-DE" sz="2000" dirty="0"/>
-          </a:p>
-          <a:p>
-            <a:pPr lvl="1"/>
-            <a:r>
-              <a:rPr lang="de-DE" sz="1800" dirty="0"/>
-              <a:t>Verbindet sich über Station mit </a:t>
-            </a:r>
-            <a:r>
-              <a:rPr lang="de-DE" sz="1800" dirty="0" err="1"/>
-              <a:t>MqttBroker</a:t>
-            </a:r>
-            <a:endParaRPr lang="de-DE" sz="1800" dirty="0"/>
-          </a:p>
-          <a:p>
-            <a:pPr lvl="2"/>
-            <a:r>
-              <a:rPr lang="de-DE" sz="1800" dirty="0"/>
-              <a:t>Zugangsdaten über </a:t>
-            </a:r>
-            <a:r>
-              <a:rPr lang="de-DE" sz="1800" dirty="0" err="1"/>
-              <a:t>Config</a:t>
-            </a:r>
-            <a:endParaRPr lang="de-DE" sz="1800" dirty="0"/>
-          </a:p>
-          <a:p>
-            <a:pPr lvl="2"/>
-            <a:r>
-              <a:rPr lang="de-DE" sz="1800" dirty="0"/>
-              <a:t>Kontrolle über </a:t>
-            </a:r>
-            <a:r>
-              <a:rPr lang="de-DE" sz="1800" dirty="0" err="1"/>
-              <a:t>MqttFx</a:t>
-            </a:r>
-            <a:endParaRPr lang="de-DE" sz="1800" dirty="0"/>
-          </a:p>
-          <a:p>
-            <a:pPr lvl="1"/>
-            <a:r>
-              <a:rPr lang="de-DE" sz="2000" dirty="0"/>
-              <a:t>Wenn Verbindung hängt </a:t>
-            </a:r>
-            <a:r>
-              <a:rPr lang="de-DE" sz="2000" dirty="0">
-                <a:sym typeface="Wingdings" panose="05000000000000000000" pitchFamily="2" charset="2"/>
-              </a:rPr>
-              <a:t> </a:t>
-            </a:r>
-            <a:r>
-              <a:rPr lang="de-DE" sz="2000" dirty="0" err="1">
-                <a:sym typeface="Wingdings" panose="05000000000000000000" pitchFamily="2" charset="2"/>
-              </a:rPr>
-              <a:t>Reset</a:t>
-            </a:r>
-            <a:endParaRPr lang="de-DE" sz="2000" dirty="0"/>
-          </a:p>
-          <a:p>
-            <a:pPr lvl="1"/>
-            <a:endParaRPr lang="de-DE" sz="1800" dirty="0"/>
-          </a:p>
-        </p:txBody>
-      </p:sp>
-      <p:pic>
-        <p:nvPicPr>
-          <p:cNvPr id="4" name="Grafik 3">
-            <a:extLst>
-              <a:ext uri="{FF2B5EF4-FFF2-40B4-BE49-F238E27FC236}">
-                <a16:creationId xmlns:a16="http://schemas.microsoft.com/office/drawing/2014/main" id="{FE61D787-4AA3-4E61-9382-209D49BCA8F8}"/>
-              </a:ext>
-            </a:extLst>
-          </p:cNvPr>
-          <p:cNvPicPr>
-            <a:picLocks noChangeAspect="1"/>
-          </p:cNvPicPr>
-          <p:nvPr/>
-        </p:nvPicPr>
-        <p:blipFill>
-          <a:blip r:embed="rId2"/>
-          <a:stretch>
-            <a:fillRect/>
-          </a:stretch>
-        </p:blipFill>
-        <p:spPr>
-          <a:xfrm>
-            <a:off x="611560" y="4709295"/>
-            <a:ext cx="8411749" cy="1590897"/>
-          </a:xfrm>
-          <a:prstGeom prst="rect">
-            <a:avLst/>
-          </a:prstGeom>
-        </p:spPr>
-      </p:pic>
-    </p:spTree>
-    <p:extLst>
-      <p:ext uri="{BB962C8B-B14F-4D97-AF65-F5344CB8AC3E}">
-        <p14:creationId xmlns:p14="http://schemas.microsoft.com/office/powerpoint/2010/main" val="2030819705"/>
-      </p:ext>
-    </p:extLst>
-  </p:cSld>
-  <p:clrMapOvr>
-    <a:masterClrMapping/>
-  </p:clrMapOvr>
-</p:sld>
-</file>
-
-<file path=ppt/slides/slide15.xml><?xml version="1.0" encoding="utf-8"?>
-<p:sld xmlns:a="http://schemas.openxmlformats.org/drawingml/2006/main" xmlns:r="http://schemas.openxmlformats.org/officeDocument/2006/relationships" xmlns:p="http://schemas.openxmlformats.org/presentationml/2006/main">
-  <p:cSld>
-    <p:spTree>
-      <p:nvGrpSpPr>
-        <p:cNvPr id="1" name=""/>
-        <p:cNvGrpSpPr/>
-        <p:nvPr/>
-      </p:nvGrpSpPr>
-      <p:grpSpPr>
-        <a:xfrm>
-          <a:off x="0" y="0"/>
-          <a:ext cx="0" cy="0"/>
-          <a:chOff x="0" y="0"/>
-          <a:chExt cx="0" cy="0"/>
-        </a:xfrm>
-      </p:grpSpPr>
-      <p:sp>
-        <p:nvSpPr>
-          <p:cNvPr id="2" name="Titel 1">
-            <a:extLst>
-              <a:ext uri="{FF2B5EF4-FFF2-40B4-BE49-F238E27FC236}">
-                <a16:creationId xmlns:a16="http://schemas.microsoft.com/office/drawing/2014/main" id="{FB24BB10-B198-4392-B88D-C2DFE62CE2A6}"/>
-              </a:ext>
-            </a:extLst>
-          </p:cNvPr>
-          <p:cNvSpPr>
-            <a:spLocks noGrp="1"/>
-          </p:cNvSpPr>
-          <p:nvPr>
-            <p:ph type="title"/>
-          </p:nvPr>
-        </p:nvSpPr>
-        <p:spPr/>
-        <p:txBody>
-          <a:bodyPr/>
-          <a:lstStyle/>
-          <a:p>
-            <a:r>
-              <a:rPr lang="de-DE" dirty="0" err="1"/>
-              <a:t>SystemService</a:t>
-            </a:r>
-            <a:endParaRPr lang="de-DE" dirty="0"/>
-          </a:p>
-        </p:txBody>
-      </p:sp>
-      <p:sp>
-        <p:nvSpPr>
-          <p:cNvPr id="3" name="Textplatzhalter 2">
-            <a:extLst>
-              <a:ext uri="{FF2B5EF4-FFF2-40B4-BE49-F238E27FC236}">
-                <a16:creationId xmlns:a16="http://schemas.microsoft.com/office/drawing/2014/main" id="{DD794DA2-2E1F-4460-B257-5591A745A2C0}"/>
-              </a:ext>
-            </a:extLst>
-          </p:cNvPr>
-          <p:cNvSpPr>
-            <a:spLocks noGrp="1"/>
-          </p:cNvSpPr>
-          <p:nvPr>
-            <p:ph type="body" sz="quarter" idx="10"/>
-          </p:nvPr>
-        </p:nvSpPr>
-        <p:spPr/>
-        <p:txBody>
-          <a:bodyPr/>
-          <a:lstStyle/>
-          <a:p>
-            <a:endParaRPr lang="de-DE"/>
-          </a:p>
-        </p:txBody>
-      </p:sp>
-      <p:pic>
-        <p:nvPicPr>
-          <p:cNvPr id="4" name="Grafik 3">
-            <a:extLst>
-              <a:ext uri="{FF2B5EF4-FFF2-40B4-BE49-F238E27FC236}">
-                <a16:creationId xmlns:a16="http://schemas.microsoft.com/office/drawing/2014/main" id="{D496A79A-B04A-4FB2-BF1D-9B80A339F811}"/>
-              </a:ext>
-            </a:extLst>
-          </p:cNvPr>
-          <p:cNvPicPr>
-            <a:picLocks noChangeAspect="1"/>
-          </p:cNvPicPr>
-          <p:nvPr/>
-        </p:nvPicPr>
-        <p:blipFill>
-          <a:blip r:embed="rId2"/>
-          <a:stretch>
-            <a:fillRect/>
-          </a:stretch>
-        </p:blipFill>
-        <p:spPr>
-          <a:xfrm>
-            <a:off x="0" y="1464202"/>
-            <a:ext cx="9144000" cy="3929596"/>
-          </a:xfrm>
-          <a:prstGeom prst="rect">
-            <a:avLst/>
-          </a:prstGeom>
-        </p:spPr>
-      </p:pic>
-    </p:spTree>
-    <p:extLst>
-      <p:ext uri="{BB962C8B-B14F-4D97-AF65-F5344CB8AC3E}">
-        <p14:creationId xmlns:p14="http://schemas.microsoft.com/office/powerpoint/2010/main" val="1690114067"/>
-      </p:ext>
-    </p:extLst>
-  </p:cSld>
-  <p:clrMapOvr>
-    <a:masterClrMapping/>
-  </p:clrMapOvr>
-</p:sld>
-</file>
-
-<file path=ppt/slides/slide16.xml><?xml version="1.0" encoding="utf-8"?>
-<p:sld xmlns:a="http://schemas.openxmlformats.org/drawingml/2006/main" xmlns:r="http://schemas.openxmlformats.org/officeDocument/2006/relationships" xmlns:p="http://schemas.openxmlformats.org/presentationml/2006/main">
-  <p:cSld>
-    <p:spTree>
-      <p:nvGrpSpPr>
-        <p:cNvPr id="1" name=""/>
-        <p:cNvGrpSpPr/>
-        <p:nvPr/>
-      </p:nvGrpSpPr>
-      <p:grpSpPr>
-        <a:xfrm>
-          <a:off x="0" y="0"/>
-          <a:ext cx="0" cy="0"/>
-          <a:chOff x="0" y="0"/>
-          <a:chExt cx="0" cy="0"/>
-        </a:xfrm>
-      </p:grpSpPr>
-      <p:sp>
-        <p:nvSpPr>
-          <p:cNvPr id="2" name="Titel 1">
-            <a:extLst>
-              <a:ext uri="{FF2B5EF4-FFF2-40B4-BE49-F238E27FC236}">
-                <a16:creationId xmlns:a16="http://schemas.microsoft.com/office/drawing/2014/main" id="{E08A5556-8EAE-4609-A99B-2E52261FF7B7}"/>
-              </a:ext>
-            </a:extLst>
-          </p:cNvPr>
-          <p:cNvSpPr>
-            <a:spLocks noGrp="1"/>
-          </p:cNvSpPr>
-          <p:nvPr>
-            <p:ph type="title"/>
-          </p:nvPr>
-        </p:nvSpPr>
-        <p:spPr/>
-        <p:txBody>
-          <a:bodyPr/>
-          <a:lstStyle/>
-          <a:p>
-            <a:r>
-              <a:rPr lang="de-DE" dirty="0" err="1"/>
-              <a:t>SystemService</a:t>
-            </a:r>
-            <a:r>
-              <a:rPr lang="de-DE" dirty="0"/>
-              <a:t> Test</a:t>
-            </a:r>
-          </a:p>
-        </p:txBody>
-      </p:sp>
-      <p:sp>
-        <p:nvSpPr>
-          <p:cNvPr id="3" name="Textplatzhalter 2">
-            <a:extLst>
-              <a:ext uri="{FF2B5EF4-FFF2-40B4-BE49-F238E27FC236}">
-                <a16:creationId xmlns:a16="http://schemas.microsoft.com/office/drawing/2014/main" id="{16E046F9-AF00-443E-BD1E-5A630DBC209B}"/>
-              </a:ext>
-            </a:extLst>
-          </p:cNvPr>
-          <p:cNvSpPr>
-            <a:spLocks noGrp="1"/>
-          </p:cNvSpPr>
-          <p:nvPr>
-            <p:ph type="body" sz="quarter" idx="10"/>
-          </p:nvPr>
-        </p:nvSpPr>
-        <p:spPr>
-          <a:xfrm>
-            <a:off x="468313" y="1124744"/>
-            <a:ext cx="8207375" cy="4608165"/>
-          </a:xfrm>
-        </p:spPr>
-        <p:txBody>
-          <a:bodyPr/>
-          <a:lstStyle/>
-          <a:p>
-            <a:r>
-              <a:rPr lang="de-DE" sz="2000" dirty="0" err="1"/>
-              <a:t>SystemService.init</a:t>
-            </a:r>
-            <a:r>
-              <a:rPr lang="de-DE" sz="2000" dirty="0"/>
-              <a:t>() initialisiert den Watchdog</a:t>
-            </a:r>
-          </a:p>
-          <a:p>
-            <a:r>
-              <a:rPr lang="de-DE" sz="2000" dirty="0"/>
-              <a:t>Über </a:t>
-            </a:r>
-            <a:r>
-              <a:rPr lang="de-DE" sz="2000" dirty="0" err="1"/>
-              <a:t>Get</a:t>
-            </a:r>
-            <a:r>
-              <a:rPr lang="de-DE" sz="2000" dirty="0"/>
-              <a:t>-Request können Fehler simuliert werden</a:t>
-            </a:r>
-          </a:p>
-          <a:p>
-            <a:pPr lvl="1"/>
-            <a:r>
-              <a:rPr lang="de-DE" sz="1800" dirty="0"/>
-              <a:t>Normale Fehler </a:t>
-            </a:r>
-            <a:r>
-              <a:rPr lang="de-DE" sz="1800" dirty="0">
-                <a:sym typeface="Wingdings" panose="05000000000000000000" pitchFamily="2" charset="2"/>
-              </a:rPr>
-              <a:t> </a:t>
-            </a:r>
-            <a:r>
-              <a:rPr lang="de-DE" sz="1800" dirty="0" err="1">
-                <a:sym typeface="Wingdings" panose="05000000000000000000" pitchFamily="2" charset="2"/>
-              </a:rPr>
-              <a:t>LogMessage</a:t>
-            </a:r>
-            <a:endParaRPr lang="de-DE" sz="1800" dirty="0">
-              <a:sym typeface="Wingdings" panose="05000000000000000000" pitchFamily="2" charset="2"/>
-            </a:endParaRPr>
-          </a:p>
-          <a:p>
-            <a:pPr lvl="2"/>
-            <a:r>
-              <a:rPr lang="de-DE" sz="1800" dirty="0">
-                <a:sym typeface="Wingdings" panose="05000000000000000000" pitchFamily="2" charset="2"/>
-                <a:hlinkClick r:id="rId2"/>
-              </a:rPr>
-              <a:t>http://192.168.0.53/pusherror</a:t>
-            </a:r>
-            <a:r>
-              <a:rPr lang="de-DE" sz="1800" dirty="0">
-                <a:sym typeface="Wingdings" panose="05000000000000000000" pitchFamily="2" charset="2"/>
-              </a:rPr>
-              <a:t> </a:t>
-            </a:r>
-          </a:p>
-          <a:p>
-            <a:pPr lvl="2"/>
-            <a:r>
-              <a:rPr lang="de-DE" sz="1800" dirty="0">
-                <a:sym typeface="Wingdings" panose="05000000000000000000" pitchFamily="2" charset="2"/>
-              </a:rPr>
-              <a:t>Nach 5 normalen Fehlern  </a:t>
-            </a:r>
-            <a:r>
-              <a:rPr lang="de-DE" sz="1800" dirty="0" err="1">
-                <a:sym typeface="Wingdings" panose="05000000000000000000" pitchFamily="2" charset="2"/>
-              </a:rPr>
-              <a:t>FatalError</a:t>
-            </a:r>
-            <a:endParaRPr lang="de-DE" sz="1800" dirty="0">
-              <a:sym typeface="Wingdings" panose="05000000000000000000" pitchFamily="2" charset="2"/>
-            </a:endParaRPr>
-          </a:p>
-          <a:p>
-            <a:pPr lvl="1"/>
-            <a:r>
-              <a:rPr lang="de-DE" sz="1800" dirty="0" err="1">
-                <a:sym typeface="Wingdings" panose="05000000000000000000" pitchFamily="2" charset="2"/>
-              </a:rPr>
-              <a:t>FatalError</a:t>
-            </a:r>
-            <a:r>
-              <a:rPr lang="de-DE" sz="1800" dirty="0">
-                <a:sym typeface="Wingdings" panose="05000000000000000000" pitchFamily="2" charset="2"/>
-              </a:rPr>
-              <a:t>  Restart</a:t>
-            </a:r>
-          </a:p>
-          <a:p>
-            <a:pPr lvl="2"/>
-            <a:r>
-              <a:rPr lang="de-DE" sz="1800" dirty="0">
-                <a:sym typeface="Wingdings" panose="05000000000000000000" pitchFamily="2" charset="2"/>
-              </a:rPr>
-              <a:t>Nach 5 Restarts in kurzer Zeit  System anhalten</a:t>
-            </a:r>
-          </a:p>
-          <a:p>
-            <a:pPr lvl="2"/>
-            <a:r>
-              <a:rPr lang="de-DE" sz="1800" dirty="0">
-                <a:sym typeface="Wingdings" panose="05000000000000000000" pitchFamily="2" charset="2"/>
-                <a:hlinkClick r:id="rId3"/>
-              </a:rPr>
-              <a:t>http://192.168.0.53/pushfatalerror</a:t>
-            </a:r>
-            <a:r>
-              <a:rPr lang="de-DE" sz="1800" dirty="0">
-                <a:sym typeface="Wingdings" panose="05000000000000000000" pitchFamily="2" charset="2"/>
-              </a:rPr>
-              <a:t> </a:t>
-            </a:r>
-          </a:p>
-          <a:p>
-            <a:pPr lvl="1"/>
-            <a:r>
-              <a:rPr lang="de-DE" sz="1800" dirty="0">
-                <a:sym typeface="Wingdings" panose="05000000000000000000" pitchFamily="2" charset="2"/>
-              </a:rPr>
-              <a:t>Heap, Speicher öfter allozieren  Error</a:t>
-            </a:r>
-          </a:p>
-          <a:p>
-            <a:pPr lvl="2"/>
-            <a:r>
-              <a:rPr lang="de-DE" sz="1800" dirty="0">
-                <a:sym typeface="Wingdings" panose="05000000000000000000" pitchFamily="2" charset="2"/>
-                <a:hlinkClick r:id="rId4"/>
-              </a:rPr>
-              <a:t>http://192.168.0.53/allocatefromheap</a:t>
-            </a:r>
-            <a:r>
-              <a:rPr lang="de-DE" sz="1800" dirty="0">
-                <a:sym typeface="Wingdings" panose="05000000000000000000" pitchFamily="2" charset="2"/>
-              </a:rPr>
-              <a:t> </a:t>
-            </a:r>
-          </a:p>
-          <a:p>
-            <a:pPr lvl="1"/>
-            <a:r>
-              <a:rPr lang="de-DE" sz="1800" dirty="0">
-                <a:sym typeface="Wingdings" panose="05000000000000000000" pitchFamily="2" charset="2"/>
-              </a:rPr>
-              <a:t>Aufhören, Watchdog zu „füttern“  </a:t>
-            </a:r>
-            <a:r>
-              <a:rPr lang="de-DE" sz="1800" dirty="0" err="1">
-                <a:sym typeface="Wingdings" panose="05000000000000000000" pitchFamily="2" charset="2"/>
-              </a:rPr>
-              <a:t>restart</a:t>
-            </a:r>
-            <a:endParaRPr lang="de-DE" sz="1800" dirty="0">
-              <a:sym typeface="Wingdings" panose="05000000000000000000" pitchFamily="2" charset="2"/>
-            </a:endParaRPr>
-          </a:p>
-          <a:p>
-            <a:pPr lvl="2"/>
-            <a:r>
-              <a:rPr lang="de-DE" sz="1800" dirty="0">
-                <a:sym typeface="Wingdings" panose="05000000000000000000" pitchFamily="2" charset="2"/>
-                <a:hlinkClick r:id="rId5"/>
-              </a:rPr>
-              <a:t>http://192.168.0.53/stopfeedwatchdog</a:t>
-            </a:r>
-            <a:r>
-              <a:rPr lang="de-DE" sz="1800" dirty="0">
-                <a:sym typeface="Wingdings" panose="05000000000000000000" pitchFamily="2" charset="2"/>
-              </a:rPr>
-              <a:t> </a:t>
-            </a:r>
-          </a:p>
-          <a:p>
-            <a:r>
-              <a:rPr lang="de-DE" sz="2200" dirty="0" err="1">
-                <a:sym typeface="Wingdings" panose="05000000000000000000" pitchFamily="2" charset="2"/>
-              </a:rPr>
-              <a:t>checkSystem</a:t>
-            </a:r>
-            <a:r>
-              <a:rPr lang="de-DE" sz="2200" dirty="0">
-                <a:sym typeface="Wingdings" panose="05000000000000000000" pitchFamily="2" charset="2"/>
-              </a:rPr>
-              <a:t>() wird zyklisch aufgerufen</a:t>
-            </a:r>
-          </a:p>
-          <a:p>
-            <a:pPr lvl="1"/>
-            <a:r>
-              <a:rPr lang="de-DE" sz="2000" dirty="0">
-                <a:sym typeface="Wingdings" panose="05000000000000000000" pitchFamily="2" charset="2"/>
-              </a:rPr>
-              <a:t>Statusausgabe über Log</a:t>
-            </a:r>
-          </a:p>
-          <a:p>
-            <a:pPr lvl="1"/>
-            <a:endParaRPr lang="de-DE" sz="1800" dirty="0"/>
-          </a:p>
-        </p:txBody>
-      </p:sp>
-    </p:spTree>
-    <p:extLst>
-      <p:ext uri="{BB962C8B-B14F-4D97-AF65-F5344CB8AC3E}">
-        <p14:creationId xmlns:p14="http://schemas.microsoft.com/office/powerpoint/2010/main" val="83760178"/>
-      </p:ext>
-    </p:extLst>
-  </p:cSld>
-  <p:clrMapOvr>
-    <a:masterClrMapping/>
-  </p:clrMapOvr>
-</p:sld>
-</file>
-
-<file path=ppt/slides/slide17.xml><?xml version="1.0" encoding="utf-8"?>
-<p:sld xmlns:a="http://schemas.openxmlformats.org/drawingml/2006/main" xmlns:r="http://schemas.openxmlformats.org/officeDocument/2006/relationships" xmlns:p="http://schemas.openxmlformats.org/presentationml/2006/main">
-  <p:cSld>
-    <p:spTree>
-      <p:nvGrpSpPr>
-        <p:cNvPr id="1" name=""/>
-        <p:cNvGrpSpPr/>
-        <p:nvPr/>
-      </p:nvGrpSpPr>
-      <p:grpSpPr>
-        <a:xfrm>
-          <a:off x="0" y="0"/>
-          <a:ext cx="0" cy="0"/>
-          <a:chOff x="0" y="0"/>
-          <a:chExt cx="0" cy="0"/>
-        </a:xfrm>
-      </p:grpSpPr>
-      <p:sp>
-        <p:nvSpPr>
-          <p:cNvPr id="2" name="Titel 1">
-            <a:extLst>
-              <a:ext uri="{FF2B5EF4-FFF2-40B4-BE49-F238E27FC236}">
-                <a16:creationId xmlns:a16="http://schemas.microsoft.com/office/drawing/2014/main" id="{BD7267A0-1C86-45A1-A676-E738AF362071}"/>
-              </a:ext>
-            </a:extLst>
-          </p:cNvPr>
-          <p:cNvSpPr>
-            <a:spLocks noGrp="1"/>
-          </p:cNvSpPr>
-          <p:nvPr>
-            <p:ph type="title"/>
-          </p:nvPr>
-        </p:nvSpPr>
-        <p:spPr/>
-        <p:txBody>
-          <a:bodyPr/>
-          <a:lstStyle/>
-          <a:p>
-            <a:r>
-              <a:rPr lang="de-DE" dirty="0" err="1"/>
-              <a:t>EspUdp</a:t>
-            </a:r>
-            <a:endParaRPr lang="de-DE" dirty="0"/>
-          </a:p>
-        </p:txBody>
-      </p:sp>
-      <p:sp>
-        <p:nvSpPr>
-          <p:cNvPr id="3" name="Textplatzhalter 2">
-            <a:extLst>
-              <a:ext uri="{FF2B5EF4-FFF2-40B4-BE49-F238E27FC236}">
-                <a16:creationId xmlns:a16="http://schemas.microsoft.com/office/drawing/2014/main" id="{13762281-E42B-4E66-859A-12329A49A34F}"/>
-              </a:ext>
-            </a:extLst>
-          </p:cNvPr>
-          <p:cNvSpPr>
-            <a:spLocks noGrp="1"/>
-          </p:cNvSpPr>
-          <p:nvPr>
-            <p:ph type="body" sz="quarter" idx="10"/>
-          </p:nvPr>
-        </p:nvSpPr>
-        <p:spPr/>
-        <p:txBody>
-          <a:bodyPr/>
-          <a:lstStyle/>
-          <a:p>
-            <a:endParaRPr lang="de-DE" dirty="0"/>
-          </a:p>
-        </p:txBody>
-      </p:sp>
-    </p:spTree>
-    <p:extLst>
-      <p:ext uri="{BB962C8B-B14F-4D97-AF65-F5344CB8AC3E}">
-        <p14:creationId xmlns:p14="http://schemas.microsoft.com/office/powerpoint/2010/main" val="1503908148"/>
-      </p:ext>
-    </p:extLst>
-  </p:cSld>
-  <p:clrMapOvr>
-    <a:masterClrMapping/>
-  </p:clrMapOvr>
-</p:sld>
-</file>
-
-<file path=ppt/slides/slide18.xml><?xml version="1.0" encoding="utf-8"?>
-<p:sld xmlns:a="http://schemas.openxmlformats.org/drawingml/2006/main" xmlns:r="http://schemas.openxmlformats.org/officeDocument/2006/relationships" xmlns:p="http://schemas.openxmlformats.org/presentationml/2006/main">
-  <p:cSld>
-    <p:spTree>
-      <p:nvGrpSpPr>
-        <p:cNvPr id="1" name=""/>
-        <p:cNvGrpSpPr/>
-        <p:nvPr/>
-      </p:nvGrpSpPr>
-      <p:grpSpPr>
-        <a:xfrm>
-          <a:off x="0" y="0"/>
-          <a:ext cx="0" cy="0"/>
-          <a:chOff x="0" y="0"/>
-          <a:chExt cx="0" cy="0"/>
-        </a:xfrm>
-      </p:grpSpPr>
-      <p:sp>
-        <p:nvSpPr>
-          <p:cNvPr id="2" name="Titel 1">
-            <a:extLst>
-              <a:ext uri="{FF2B5EF4-FFF2-40B4-BE49-F238E27FC236}">
-                <a16:creationId xmlns:a16="http://schemas.microsoft.com/office/drawing/2014/main" id="{62EE1BF9-E27E-487B-9F1A-AB85905E1448}"/>
-              </a:ext>
-            </a:extLst>
-          </p:cNvPr>
-          <p:cNvSpPr>
-            <a:spLocks noGrp="1"/>
-          </p:cNvSpPr>
-          <p:nvPr>
-            <p:ph type="title"/>
-          </p:nvPr>
-        </p:nvSpPr>
-        <p:spPr/>
-        <p:txBody>
-          <a:bodyPr/>
-          <a:lstStyle/>
-          <a:p>
-            <a:r>
-              <a:rPr lang="de-DE"/>
-              <a:t>UdpLoggerTarget</a:t>
-            </a:r>
-          </a:p>
-        </p:txBody>
-      </p:sp>
-      <p:sp>
-        <p:nvSpPr>
-          <p:cNvPr id="3" name="Textplatzhalter 2">
-            <a:extLst>
-              <a:ext uri="{FF2B5EF4-FFF2-40B4-BE49-F238E27FC236}">
-                <a16:creationId xmlns:a16="http://schemas.microsoft.com/office/drawing/2014/main" id="{8C1883FD-D993-4DF0-86F5-B934F4590D3E}"/>
-              </a:ext>
-            </a:extLst>
-          </p:cNvPr>
-          <p:cNvSpPr>
-            <a:spLocks noGrp="1"/>
-          </p:cNvSpPr>
-          <p:nvPr>
-            <p:ph type="body" sz="quarter" idx="10"/>
-          </p:nvPr>
-        </p:nvSpPr>
-        <p:spPr/>
-        <p:txBody>
-          <a:bodyPr/>
-          <a:lstStyle/>
-          <a:p>
-            <a:endParaRPr lang="de-DE"/>
-          </a:p>
-        </p:txBody>
-      </p:sp>
-    </p:spTree>
-    <p:extLst>
-      <p:ext uri="{BB962C8B-B14F-4D97-AF65-F5344CB8AC3E}">
-        <p14:creationId xmlns:p14="http://schemas.microsoft.com/office/powerpoint/2010/main" val="2882502077"/>
+        <p14:creationId xmlns:p14="http://schemas.microsoft.com/office/powerpoint/2010/main" val="3954753080"/>
       </p:ext>
     </p:extLst>
   </p:cSld>
@@ -3714,7 +2223,7 @@
           <p:cNvPr id="2" name="Titel 1">
             <a:extLst>
               <a:ext uri="{FF2B5EF4-FFF2-40B4-BE49-F238E27FC236}">
-                <a16:creationId xmlns:a16="http://schemas.microsoft.com/office/drawing/2014/main" id="{34EF99FD-A133-428A-9508-D4391C9519BA}"/>
+                <a16:creationId xmlns:a16="http://schemas.microsoft.com/office/drawing/2014/main" id="{351161B4-E72A-48A4-8B19-689FC5B318F0}"/>
               </a:ext>
             </a:extLst>
           </p:cNvPr>
@@ -3732,7 +2241,7 @@
           <a:p>
             <a:r>
               <a:rPr lang="de-DE" dirty="0"/>
-              <a:t>Abhängigkeiten</a:t>
+              <a:t>Grundkonzept der Sensorverwaltung</a:t>
             </a:r>
           </a:p>
         </p:txBody>
@@ -3742,7 +2251,7 @@
           <p:cNvPr id="3" name="Textplatzhalter 2">
             <a:extLst>
               <a:ext uri="{FF2B5EF4-FFF2-40B4-BE49-F238E27FC236}">
-                <a16:creationId xmlns:a16="http://schemas.microsoft.com/office/drawing/2014/main" id="{92CE76D8-4BFC-4926-A778-F16481E47D88}"/>
+                <a16:creationId xmlns:a16="http://schemas.microsoft.com/office/drawing/2014/main" id="{97A8190F-CE7F-45EE-AE3C-2B2ACFC1BC4B}"/>
               </a:ext>
             </a:extLst>
           </p:cNvPr>
@@ -3755,7 +2264,7 @@
         </p:nvSpPr>
         <p:spPr>
           <a:xfrm>
-            <a:off x="323528" y="1124744"/>
+            <a:off x="468313" y="980728"/>
             <a:ext cx="8207375" cy="4608165"/>
           </a:xfrm>
         </p:spPr>
@@ -3764,260 +2273,125 @@
           <a:lstStyle/>
           <a:p>
             <a:r>
-              <a:rPr lang="de-DE" sz="1400" dirty="0"/>
-              <a:t>Logger hat keine Abhängigkeiten</a:t>
-            </a:r>
-          </a:p>
-          <a:p>
-            <a:r>
-              <a:rPr lang="de-DE" sz="1400" dirty="0" err="1"/>
-              <a:t>SerialLoggerTarget</a:t>
-            </a:r>
-            <a:r>
-              <a:rPr lang="de-DE" sz="1400" dirty="0"/>
-              <a:t> als erstes </a:t>
-            </a:r>
-            <a:r>
-              <a:rPr lang="de-DE" sz="1400" dirty="0" err="1"/>
-              <a:t>Loggingziel</a:t>
-            </a:r>
-            <a:endParaRPr lang="de-DE" sz="1400" dirty="0"/>
-          </a:p>
-          <a:p>
-            <a:r>
-              <a:rPr lang="de-DE" sz="1400" dirty="0" err="1"/>
-              <a:t>EspAp</a:t>
-            </a:r>
-            <a:endParaRPr lang="de-DE" sz="1400" dirty="0"/>
+              <a:rPr lang="de-DE" sz="2000" dirty="0"/>
+              <a:t>Abstrakte Basisklasse übernimmt:</a:t>
+            </a:r>
           </a:p>
           <a:p>
             <a:pPr lvl="1"/>
             <a:r>
-              <a:rPr lang="de-DE" sz="1200" dirty="0"/>
-              <a:t>Logger</a:t>
-            </a:r>
-          </a:p>
-          <a:p>
-            <a:r>
-              <a:rPr lang="de-DE" sz="1400" dirty="0" err="1"/>
-              <a:t>HttpServer</a:t>
-            </a:r>
-            <a:endParaRPr lang="de-DE" sz="1400" dirty="0"/>
+              <a:rPr lang="de-DE" sz="1800" dirty="0"/>
+              <a:t>Kommunikation über MQTT</a:t>
+            </a:r>
+          </a:p>
+          <a:p>
+            <a:pPr lvl="2"/>
+            <a:r>
+              <a:rPr lang="de-DE" sz="1800" dirty="0"/>
+              <a:t>Berücksichtigung Threshold, Übertragung mindestens alle 15 Minuten</a:t>
+            </a:r>
           </a:p>
           <a:p>
             <a:pPr lvl="1"/>
             <a:r>
-              <a:rPr lang="de-DE" sz="1200" dirty="0" err="1"/>
-              <a:t>EspStation</a:t>
-            </a:r>
-            <a:r>
-              <a:rPr lang="de-DE" sz="1200" dirty="0"/>
-              <a:t> oder </a:t>
-            </a:r>
-            <a:r>
-              <a:rPr lang="de-DE" sz="1200" dirty="0" err="1"/>
-              <a:t>EspAp</a:t>
-            </a:r>
-            <a:r>
-              <a:rPr lang="de-DE" sz="1200" dirty="0"/>
-              <a:t> als IP-Basis</a:t>
-            </a:r>
-          </a:p>
-          <a:p>
-            <a:r>
-              <a:rPr lang="de-DE" sz="1400" dirty="0" err="1"/>
-              <a:t>EspConfig</a:t>
-            </a:r>
-            <a:endParaRPr lang="de-DE" sz="1400" dirty="0"/>
+              <a:rPr lang="de-DE" sz="1800" dirty="0"/>
+              <a:t>Überprüft auf minimale und maximale Werte für den Sensor</a:t>
+            </a:r>
           </a:p>
           <a:p>
             <a:pPr lvl="1"/>
             <a:r>
-              <a:rPr lang="de-DE" sz="1200" dirty="0" err="1"/>
-              <a:t>HttpServer</a:t>
-            </a:r>
-            <a:r>
-              <a:rPr lang="de-DE" sz="1200" dirty="0"/>
-              <a:t> zum Setzen der </a:t>
-            </a:r>
-            <a:r>
-              <a:rPr lang="de-DE" sz="1200" dirty="0" err="1"/>
-              <a:t>Config</a:t>
-            </a:r>
-            <a:r>
-              <a:rPr lang="de-DE" sz="1200" dirty="0"/>
-              <a:t>-Values</a:t>
-            </a:r>
-          </a:p>
-          <a:p>
-            <a:r>
-              <a:rPr lang="de-DE" sz="1400" dirty="0"/>
-              <a:t>ESP32 als Station</a:t>
+              <a:rPr lang="de-DE" sz="1800" dirty="0"/>
+              <a:t>Statische Hilfsmethoden</a:t>
+            </a:r>
+          </a:p>
+          <a:p>
+            <a:pPr lvl="2"/>
+            <a:r>
+              <a:rPr lang="de-DE" sz="1800" dirty="0" err="1"/>
+              <a:t>getPinState</a:t>
+            </a:r>
+            <a:r>
+              <a:rPr lang="de-DE" sz="1800" dirty="0"/>
+              <a:t>()</a:t>
+            </a:r>
+          </a:p>
+          <a:p>
+            <a:r>
+              <a:rPr lang="de-DE" sz="2000" dirty="0"/>
+              <a:t>Aufgaben konkreter Sensoren</a:t>
             </a:r>
           </a:p>
           <a:p>
             <a:pPr lvl="1"/>
             <a:r>
-              <a:rPr lang="de-DE" sz="1200" dirty="0" err="1"/>
-              <a:t>EspConfig</a:t>
-            </a:r>
-            <a:r>
-              <a:rPr lang="de-DE" sz="1200" dirty="0"/>
-              <a:t> für </a:t>
-            </a:r>
-            <a:r>
-              <a:rPr lang="de-DE" sz="1200" dirty="0" err="1"/>
-              <a:t>ssid</a:t>
-            </a:r>
-            <a:r>
-              <a:rPr lang="de-DE" sz="1200" dirty="0"/>
-              <a:t>/</a:t>
-            </a:r>
-            <a:r>
-              <a:rPr lang="de-DE" sz="1200" dirty="0" err="1"/>
-              <a:t>password</a:t>
-            </a:r>
-            <a:endParaRPr lang="de-DE" sz="1200" dirty="0"/>
-          </a:p>
-          <a:p>
-            <a:r>
-              <a:rPr lang="de-DE" sz="1400" dirty="0" err="1"/>
-              <a:t>EspTime</a:t>
-            </a:r>
-            <a:r>
-              <a:rPr lang="de-DE" sz="1400" dirty="0"/>
-              <a:t> synchronisiert über NTP</a:t>
-            </a:r>
+              <a:rPr lang="de-DE" sz="1800" dirty="0"/>
+              <a:t>Aktuellen Messwert ermitteln</a:t>
+            </a:r>
+          </a:p>
+          <a:p>
+            <a:pPr lvl="2"/>
+            <a:r>
+              <a:rPr lang="de-DE" sz="1800" dirty="0"/>
+              <a:t>Bei weniger zeitkritischen Sensorabfragen </a:t>
+            </a:r>
+            <a:r>
+              <a:rPr lang="de-DE" sz="1800" dirty="0">
+                <a:sym typeface="Wingdings" panose="05000000000000000000" pitchFamily="2" charset="2"/>
+              </a:rPr>
+              <a:t> Sensorwert direkt auslesen</a:t>
+            </a:r>
+          </a:p>
+          <a:p>
+            <a:pPr lvl="2"/>
+            <a:r>
+              <a:rPr lang="de-DE" sz="1800" dirty="0">
+                <a:sym typeface="Wingdings" panose="05000000000000000000" pitchFamily="2" charset="2"/>
+              </a:rPr>
+              <a:t>Bei zeitaufwändigen Ermittlungen  im Hintergrund messen und über Variable zur Verfügung stellen</a:t>
+            </a:r>
+            <a:endParaRPr lang="de-DE" sz="1800" dirty="0"/>
           </a:p>
           <a:p>
             <a:pPr lvl="1"/>
             <a:r>
-              <a:rPr lang="de-DE" sz="1200" dirty="0" err="1"/>
-              <a:t>EspStation</a:t>
-            </a:r>
-            <a:r>
-              <a:rPr lang="de-DE" sz="1200" dirty="0"/>
-              <a:t> für Internetverbindung</a:t>
-            </a:r>
-          </a:p>
-          <a:p>
-            <a:pPr lvl="1"/>
-            <a:r>
-              <a:rPr lang="de-DE" sz="1200" dirty="0" err="1"/>
-              <a:t>EspConfig</a:t>
-            </a:r>
-            <a:r>
-              <a:rPr lang="de-DE" sz="1200" dirty="0"/>
-              <a:t> für den Server</a:t>
-            </a:r>
-          </a:p>
-          <a:p>
-            <a:r>
-              <a:rPr lang="de-DE" sz="1400" dirty="0" err="1"/>
-              <a:t>EspMqttClient</a:t>
-            </a:r>
-            <a:endParaRPr lang="de-DE" sz="1400" dirty="0"/>
-          </a:p>
-          <a:p>
-            <a:pPr lvl="1"/>
-            <a:r>
-              <a:rPr lang="de-DE" sz="1200" dirty="0" err="1"/>
-              <a:t>EspStation</a:t>
-            </a:r>
-            <a:r>
-              <a:rPr lang="de-DE" sz="1200" dirty="0"/>
-              <a:t>, </a:t>
-            </a:r>
-            <a:r>
-              <a:rPr lang="de-DE" sz="1200" dirty="0" err="1"/>
-              <a:t>EspConfig</a:t>
-            </a:r>
-            <a:r>
-              <a:rPr lang="de-DE" sz="1200" dirty="0"/>
-              <a:t>, </a:t>
-            </a:r>
-            <a:r>
-              <a:rPr lang="de-DE" sz="1200" dirty="0" err="1"/>
-              <a:t>HttpServer</a:t>
-            </a:r>
-            <a:r>
-              <a:rPr lang="de-DE" sz="1200" dirty="0"/>
-              <a:t> für eigene Route</a:t>
-            </a:r>
-          </a:p>
-          <a:p>
-            <a:r>
-              <a:rPr lang="de-DE" sz="1400" dirty="0" err="1"/>
-              <a:t>SystemService</a:t>
-            </a:r>
-            <a:r>
-              <a:rPr lang="de-DE" sz="1400" dirty="0"/>
-              <a:t> mit </a:t>
-            </a:r>
-            <a:r>
-              <a:rPr lang="de-DE" sz="1400" dirty="0" err="1"/>
-              <a:t>WatchDog</a:t>
-            </a:r>
-            <a:endParaRPr lang="de-DE" sz="1400" dirty="0"/>
-          </a:p>
-          <a:p>
-            <a:pPr lvl="1"/>
-            <a:endParaRPr lang="de-DE" sz="1200" dirty="0"/>
-          </a:p>
-          <a:p>
-            <a:r>
-              <a:rPr lang="de-DE" sz="1400" dirty="0" err="1"/>
-              <a:t>EspUdp</a:t>
-            </a:r>
-            <a:endParaRPr lang="de-DE" sz="1400" dirty="0"/>
-          </a:p>
-          <a:p>
-            <a:pPr lvl="1"/>
-            <a:r>
-              <a:rPr lang="de-DE" sz="1200" dirty="0" err="1"/>
-              <a:t>EspStation</a:t>
-            </a:r>
-            <a:r>
-              <a:rPr lang="de-DE" sz="1200" dirty="0"/>
-              <a:t> für Netzwerk</a:t>
-            </a:r>
-          </a:p>
-          <a:p>
-            <a:r>
-              <a:rPr lang="de-DE" sz="1400" dirty="0" err="1"/>
-              <a:t>UdpLoggerTarget</a:t>
-            </a:r>
-            <a:r>
-              <a:rPr lang="de-DE" sz="1400" dirty="0"/>
-              <a:t> und Python-Testprogramm</a:t>
-            </a:r>
-          </a:p>
-          <a:p>
-            <a:pPr lvl="1"/>
-            <a:r>
-              <a:rPr lang="de-DE" sz="1200" dirty="0" err="1"/>
-              <a:t>EspUdp</a:t>
-            </a:r>
-            <a:endParaRPr lang="de-DE" sz="1200" dirty="0"/>
-          </a:p>
-          <a:p>
-            <a:pPr lvl="1"/>
-            <a:endParaRPr lang="de-DE" sz="1200" dirty="0"/>
-          </a:p>
-          <a:p>
-            <a:pPr lvl="1"/>
-            <a:endParaRPr lang="de-DE" sz="1200" dirty="0"/>
-          </a:p>
-          <a:p>
-            <a:pPr lvl="1"/>
-            <a:endParaRPr lang="de-DE" sz="1200" dirty="0"/>
+              <a:rPr lang="de-DE" sz="1800" dirty="0"/>
+              <a:t>Überschreiben </a:t>
+            </a:r>
+            <a:r>
+              <a:rPr lang="de-DE" sz="1800" dirty="0" err="1"/>
+              <a:t>measure</a:t>
+            </a:r>
+            <a:r>
+              <a:rPr lang="de-DE" sz="1800" dirty="0"/>
+              <a:t>() </a:t>
+            </a:r>
+            <a:r>
+              <a:rPr lang="de-DE" sz="1800" dirty="0">
+                <a:sym typeface="Wingdings" panose="05000000000000000000" pitchFamily="2" charset="2"/>
+              </a:rPr>
+              <a:t> mit </a:t>
+            </a:r>
+            <a:r>
+              <a:rPr lang="de-DE" sz="1800" dirty="0" err="1">
+                <a:sym typeface="Wingdings" panose="05000000000000000000" pitchFamily="2" charset="2"/>
+              </a:rPr>
+              <a:t>setMeasurement</a:t>
+            </a:r>
+            <a:r>
+              <a:rPr lang="de-DE" sz="1800" dirty="0">
+                <a:sym typeface="Wingdings" panose="05000000000000000000" pitchFamily="2" charset="2"/>
+              </a:rPr>
+              <a:t>() konkreten Messwert setzen</a:t>
+            </a:r>
+            <a:endParaRPr lang="de-DE" sz="1800" dirty="0"/>
           </a:p>
         </p:txBody>
       </p:sp>
     </p:spTree>
     <p:extLst>
       <p:ext uri="{BB962C8B-B14F-4D97-AF65-F5344CB8AC3E}">
-        <p14:creationId xmlns:p14="http://schemas.microsoft.com/office/powerpoint/2010/main" val="3975359791"/>
+        <p14:creationId xmlns:p14="http://schemas.microsoft.com/office/powerpoint/2010/main" val="3349341230"/>
       </p:ext>
     </p:extLst>
   </p:cSld>
@@ -4049,7 +2423,7 @@
           <p:cNvPr id="2" name="Titel 1">
             <a:extLst>
               <a:ext uri="{FF2B5EF4-FFF2-40B4-BE49-F238E27FC236}">
-                <a16:creationId xmlns:a16="http://schemas.microsoft.com/office/drawing/2014/main" id="{A9C2F23D-F84F-4892-807B-351FBAEE2C67}"/>
+                <a16:creationId xmlns:a16="http://schemas.microsoft.com/office/drawing/2014/main" id="{158496CB-E09C-412F-BC39-AC2EEF5285F1}"/>
               </a:ext>
             </a:extLst>
           </p:cNvPr>
@@ -4067,7 +2441,7 @@
           <a:p>
             <a:r>
               <a:rPr lang="de-DE" dirty="0"/>
-              <a:t>Allgemeines</a:t>
+              <a:t>Power-Sensor</a:t>
             </a:r>
           </a:p>
         </p:txBody>
@@ -4077,7 +2451,7 @@
           <p:cNvPr id="3" name="Textplatzhalter 2">
             <a:extLst>
               <a:ext uri="{FF2B5EF4-FFF2-40B4-BE49-F238E27FC236}">
-                <a16:creationId xmlns:a16="http://schemas.microsoft.com/office/drawing/2014/main" id="{607C1CB3-1F02-48F2-851A-889A66313320}"/>
+                <a16:creationId xmlns:a16="http://schemas.microsoft.com/office/drawing/2014/main" id="{ABC9FC1C-C4C0-4393-9DA6-58979590212D}"/>
               </a:ext>
             </a:extLst>
           </p:cNvPr>
@@ -4095,15 +2469,174 @@
           <a:p>
             <a:r>
               <a:rPr lang="de-DE" dirty="0"/>
-              <a:t>Laufwerk L: als Mapping für die Bibliotheken</a:t>
-            </a:r>
+              <a:t>HLW8012 </a:t>
+            </a:r>
+            <a:r>
+              <a:rPr lang="de-DE" dirty="0">
+                <a:sym typeface="Wingdings" panose="05000000000000000000" pitchFamily="2" charset="2"/>
+              </a:rPr>
+              <a:t> keine vollständige galvanische Trennung 230V  Logik (FI fällt unter Umständen)</a:t>
+            </a:r>
+          </a:p>
+          <a:p>
+            <a:pPr lvl="1"/>
+            <a:r>
+              <a:rPr lang="de-DE" dirty="0">
+                <a:sym typeface="Wingdings" panose="05000000000000000000" pitchFamily="2" charset="2"/>
+              </a:rPr>
+              <a:t>Keine Schülerprojekte</a:t>
+            </a:r>
+          </a:p>
+          <a:p>
+            <a:pPr lvl="1"/>
+            <a:endParaRPr lang="de-DE" dirty="0">
+              <a:sym typeface="Wingdings" panose="05000000000000000000" pitchFamily="2" charset="2"/>
+            </a:endParaRPr>
+          </a:p>
+          <a:p>
+            <a:pPr lvl="1"/>
+            <a:endParaRPr lang="de-DE" dirty="0">
+              <a:sym typeface="Wingdings" panose="05000000000000000000" pitchFamily="2" charset="2"/>
+            </a:endParaRPr>
+          </a:p>
+          <a:p>
+            <a:pPr lvl="1"/>
+            <a:endParaRPr lang="de-DE" dirty="0">
+              <a:sym typeface="Wingdings" panose="05000000000000000000" pitchFamily="2" charset="2"/>
+            </a:endParaRPr>
+          </a:p>
+          <a:p>
+            <a:endParaRPr lang="de-DE" dirty="0"/>
+          </a:p>
+          <a:p>
+            <a:r>
+              <a:rPr lang="de-DE" dirty="0"/>
+              <a:t>TA12-100</a:t>
+            </a:r>
+          </a:p>
+          <a:p>
+            <a:pPr lvl="1"/>
+            <a:r>
+              <a:rPr lang="de-DE" dirty="0">
+                <a:sym typeface="Wingdings" panose="05000000000000000000" pitchFamily="2" charset="2"/>
+              </a:rPr>
+              <a:t>Vollständige galvanische Trennung</a:t>
+            </a:r>
+          </a:p>
+          <a:p>
+            <a:endParaRPr lang="de-DE" dirty="0"/>
           </a:p>
         </p:txBody>
       </p:sp>
+      <p:pic>
+        <p:nvPicPr>
+          <p:cNvPr id="4" name="Grafik 3">
+            <a:extLst>
+              <a:ext uri="{FF2B5EF4-FFF2-40B4-BE49-F238E27FC236}">
+                <a16:creationId xmlns:a16="http://schemas.microsoft.com/office/drawing/2014/main" id="{4658AC4A-BD39-4FBF-9292-6823E66DBBF1}"/>
+              </a:ext>
+            </a:extLst>
+          </p:cNvPr>
+          <p:cNvPicPr>
+            <a:picLocks noChangeAspect="1"/>
+          </p:cNvPicPr>
+          <p:nvPr/>
+        </p:nvPicPr>
+        <p:blipFill>
+          <a:blip r:embed="rId2"/>
+          <a:stretch>
+            <a:fillRect/>
+          </a:stretch>
+        </p:blipFill>
+        <p:spPr>
+          <a:xfrm>
+            <a:off x="3703358" y="2735876"/>
+            <a:ext cx="3347864" cy="1673932"/>
+          </a:xfrm>
+          <a:prstGeom prst="rect">
+            <a:avLst/>
+          </a:prstGeom>
+        </p:spPr>
+      </p:pic>
+      <p:sp>
+        <p:nvSpPr>
+          <p:cNvPr id="5" name="AutoShape 2" descr="Electricity Meter">
+            <a:extLst>
+              <a:ext uri="{FF2B5EF4-FFF2-40B4-BE49-F238E27FC236}">
+                <a16:creationId xmlns:a16="http://schemas.microsoft.com/office/drawing/2014/main" id="{DB8DF152-EEA8-4B96-B268-C501851C97FC}"/>
+              </a:ext>
+            </a:extLst>
+          </p:cNvPr>
+          <p:cNvSpPr>
+            <a:spLocks noChangeAspect="1" noChangeArrowheads="1"/>
+          </p:cNvSpPr>
+          <p:nvPr/>
+        </p:nvSpPr>
+        <p:spPr bwMode="auto">
+          <a:xfrm>
+            <a:off x="3857625" y="2714625"/>
+            <a:ext cx="1428750" cy="1428750"/>
+          </a:xfrm>
+          <a:prstGeom prst="rect">
+            <a:avLst/>
+          </a:prstGeom>
+          <a:noFill/>
+          <a:extLst>
+            <a:ext uri="{909E8E84-426E-40DD-AFC4-6F175D3DCCD1}">
+              <a14:hiddenFill xmlns:a14="http://schemas.microsoft.com/office/drawing/2010/main">
+                <a:solidFill>
+                  <a:srgbClr val="FFFFFF"/>
+                </a:solidFill>
+              </a14:hiddenFill>
+            </a:ext>
+          </a:extLst>
+        </p:spPr>
+        <p:txBody>
+          <a:bodyPr vert="horz" wrap="square" lIns="91440" tIns="45720" rIns="91440" bIns="45720" numCol="1" anchor="t" anchorCtr="0" compatLnSpc="1">
+            <a:prstTxWarp prst="textNoShape">
+              <a:avLst/>
+            </a:prstTxWarp>
+          </a:bodyPr>
+          <a:lstStyle/>
+          <a:p>
+            <a:endParaRPr lang="de-DE"/>
+          </a:p>
+        </p:txBody>
+      </p:sp>
+      <p:pic>
+        <p:nvPicPr>
+          <p:cNvPr id="6" name="Grafik 5">
+            <a:extLst>
+              <a:ext uri="{FF2B5EF4-FFF2-40B4-BE49-F238E27FC236}">
+                <a16:creationId xmlns:a16="http://schemas.microsoft.com/office/drawing/2014/main" id="{75FD9C7F-225D-412D-927A-8F0E5BC2EC97}"/>
+              </a:ext>
+            </a:extLst>
+          </p:cNvPr>
+          <p:cNvPicPr>
+            <a:picLocks noChangeAspect="1"/>
+          </p:cNvPicPr>
+          <p:nvPr/>
+        </p:nvPicPr>
+        <p:blipFill>
+          <a:blip r:embed="rId3"/>
+          <a:stretch>
+            <a:fillRect/>
+          </a:stretch>
+        </p:blipFill>
+        <p:spPr>
+          <a:xfrm>
+            <a:off x="6516216" y="4325122"/>
+            <a:ext cx="2438267" cy="2438267"/>
+          </a:xfrm>
+          <a:prstGeom prst="rect">
+            <a:avLst/>
+          </a:prstGeom>
+        </p:spPr>
+      </p:pic>
     </p:spTree>
     <p:extLst>
       <p:ext uri="{BB962C8B-B14F-4D97-AF65-F5344CB8AC3E}">
-        <p14:creationId xmlns:p14="http://schemas.microsoft.com/office/powerpoint/2010/main" val="1117488752"/>
+        <p14:creationId xmlns:p14="http://schemas.microsoft.com/office/powerpoint/2010/main" val="1448458438"/>
       </p:ext>
     </p:extLst>
   </p:cSld>
@@ -4135,7 +2668,7 @@
           <p:cNvPr id="2" name="Titel 1">
             <a:extLst>
               <a:ext uri="{FF2B5EF4-FFF2-40B4-BE49-F238E27FC236}">
-                <a16:creationId xmlns:a16="http://schemas.microsoft.com/office/drawing/2014/main" id="{8B079AAC-19EB-4D02-98F8-024EBAB0B925}"/>
+                <a16:creationId xmlns:a16="http://schemas.microsoft.com/office/drawing/2014/main" id="{FFA41B69-3771-40E7-BC9F-CD912A774D11}"/>
               </a:ext>
             </a:extLst>
           </p:cNvPr>
@@ -4152,10 +2685,9 @@
           <a:lstStyle/>
           <a:p>
             <a:r>
-              <a:rPr lang="de-DE" dirty="0" err="1"/>
-              <a:t>LoggerTest</a:t>
-            </a:r>
-            <a:endParaRPr lang="de-DE" dirty="0"/>
+              <a:rPr lang="de-DE" dirty="0"/>
+              <a:t>TA12-100 - Bezugsquelle</a:t>
+            </a:r>
           </a:p>
         </p:txBody>
       </p:sp>
@@ -4164,7 +2696,7 @@
           <p:cNvPr id="3" name="Textplatzhalter 2">
             <a:extLst>
               <a:ext uri="{FF2B5EF4-FFF2-40B4-BE49-F238E27FC236}">
-                <a16:creationId xmlns:a16="http://schemas.microsoft.com/office/drawing/2014/main" id="{E63839A1-2CE1-40D9-A7A3-0208268A59B0}"/>
+                <a16:creationId xmlns:a16="http://schemas.microsoft.com/office/drawing/2014/main" id="{23B853A9-E589-496B-B8EC-CA76E1BD0AAB}"/>
               </a:ext>
             </a:extLst>
           </p:cNvPr>
@@ -4175,80 +2707,12 @@
             <p:ph type="body" sz="quarter" idx="10"/>
           </p:nvPr>
         </p:nvSpPr>
-        <p:spPr>
-          <a:xfrm>
-            <a:off x="251520" y="1124744"/>
-            <a:ext cx="8207375" cy="4608165"/>
-          </a:xfrm>
-        </p:spPr>
+        <p:spPr/>
         <p:txBody>
           <a:bodyPr/>
           <a:lstStyle/>
           <a:p>
-            <a:r>
-              <a:rPr lang="de-DE" sz="2000" dirty="0"/>
-              <a:t>Weitere Libraries: </a:t>
-            </a:r>
-            <a:r>
-              <a:rPr lang="de-DE" sz="2000" dirty="0" err="1"/>
-              <a:t>LoggerTarget</a:t>
-            </a:r>
-            <a:r>
-              <a:rPr lang="de-DE" sz="2000" dirty="0"/>
-              <a:t>, </a:t>
-            </a:r>
-            <a:r>
-              <a:rPr lang="de-DE" sz="2000" dirty="0" err="1"/>
-              <a:t>SerialLoggerTarget</a:t>
-            </a:r>
-            <a:endParaRPr lang="de-DE" sz="2000" dirty="0"/>
-          </a:p>
-          <a:p>
-            <a:r>
-              <a:rPr lang="de-DE" sz="2000" dirty="0" err="1"/>
-              <a:t>SerialLoggerTarget</a:t>
-            </a:r>
-            <a:r>
-              <a:rPr lang="de-DE" sz="2000" dirty="0"/>
-              <a:t> erhöht je Durchlauf seinen </a:t>
-            </a:r>
-            <a:r>
-              <a:rPr lang="de-DE" sz="2000" dirty="0" err="1"/>
-              <a:t>LogLevel</a:t>
-            </a:r>
-            <a:endParaRPr lang="de-DE" sz="2000" dirty="0"/>
-          </a:p>
-          <a:p>
-            <a:r>
-              <a:rPr lang="de-DE" sz="2000" dirty="0" err="1"/>
-              <a:t>Loggertest</a:t>
-            </a:r>
-            <a:r>
-              <a:rPr lang="de-DE" sz="2000" dirty="0"/>
-              <a:t> gibt für jeden </a:t>
-            </a:r>
-            <a:r>
-              <a:rPr lang="de-DE" sz="2000" dirty="0" err="1"/>
-              <a:t>LogLevel</a:t>
-            </a:r>
-            <a:r>
-              <a:rPr lang="de-DE" sz="2000" dirty="0"/>
-              <a:t> eine Meldung aus</a:t>
-            </a:r>
-          </a:p>
-          <a:p>
-            <a:r>
-              <a:rPr lang="de-DE" sz="2000" dirty="0"/>
-              <a:t>Ausgabe: Level, Sekunde, </a:t>
-            </a:r>
-            <a:r>
-              <a:rPr lang="de-DE" sz="2000" dirty="0" err="1"/>
-              <a:t>LogNumber</a:t>
-            </a:r>
-            <a:r>
-              <a:rPr lang="de-DE" sz="2000" dirty="0"/>
-              <a:t>, Tag, Message</a:t>
-            </a:r>
+            <a:endParaRPr lang="de-DE"/>
           </a:p>
         </p:txBody>
       </p:sp>
@@ -4257,7 +2721,7 @@
           <p:cNvPr id="4" name="Grafik 3">
             <a:extLst>
               <a:ext uri="{FF2B5EF4-FFF2-40B4-BE49-F238E27FC236}">
-                <a16:creationId xmlns:a16="http://schemas.microsoft.com/office/drawing/2014/main" id="{C851C848-A4FE-4F9C-810B-55ECBE2B6EC0}"/>
+                <a16:creationId xmlns:a16="http://schemas.microsoft.com/office/drawing/2014/main" id="{EC6DEC21-6B51-4054-8090-AED27BD38C14}"/>
               </a:ext>
             </a:extLst>
           </p:cNvPr>
@@ -4274,8 +2738,8 @@
         </p:blipFill>
         <p:spPr>
           <a:xfrm>
-            <a:off x="1129877" y="2708920"/>
-            <a:ext cx="7305881" cy="3686827"/>
+            <a:off x="683568" y="1613115"/>
+            <a:ext cx="7776864" cy="3631770"/>
           </a:xfrm>
           <a:prstGeom prst="rect">
             <a:avLst/>
@@ -4285,7 +2749,7 @@
     </p:spTree>
     <p:extLst>
       <p:ext uri="{BB962C8B-B14F-4D97-AF65-F5344CB8AC3E}">
-        <p14:creationId xmlns:p14="http://schemas.microsoft.com/office/powerpoint/2010/main" val="3463211820"/>
+        <p14:creationId xmlns:p14="http://schemas.microsoft.com/office/powerpoint/2010/main" val="2317317537"/>
       </p:ext>
     </p:extLst>
   </p:cSld>
@@ -4317,7 +2781,7 @@
           <p:cNvPr id="2" name="Titel 1">
             <a:extLst>
               <a:ext uri="{FF2B5EF4-FFF2-40B4-BE49-F238E27FC236}">
-                <a16:creationId xmlns:a16="http://schemas.microsoft.com/office/drawing/2014/main" id="{B0AF6285-673D-4ECA-852D-7BCDEA7CC017}"/>
+                <a16:creationId xmlns:a16="http://schemas.microsoft.com/office/drawing/2014/main" id="{F36090CA-3627-45A1-A8C0-5988A8E9F5B2}"/>
               </a:ext>
             </a:extLst>
           </p:cNvPr>
@@ -4334,10 +2798,9 @@
           <a:lstStyle/>
           <a:p>
             <a:r>
-              <a:rPr lang="de-DE" dirty="0" err="1"/>
-              <a:t>EspApTest</a:t>
-            </a:r>
-            <a:endParaRPr lang="de-DE" dirty="0"/>
+              <a:rPr lang="de-DE" dirty="0"/>
+              <a:t>Beschaltung</a:t>
+            </a:r>
           </a:p>
         </p:txBody>
       </p:sp>
@@ -4346,7 +2809,7 @@
           <p:cNvPr id="3" name="Textplatzhalter 2">
             <a:extLst>
               <a:ext uri="{FF2B5EF4-FFF2-40B4-BE49-F238E27FC236}">
-                <a16:creationId xmlns:a16="http://schemas.microsoft.com/office/drawing/2014/main" id="{57E9D6D9-9987-4ADA-88E7-8C5B26ADAF73}"/>
+                <a16:creationId xmlns:a16="http://schemas.microsoft.com/office/drawing/2014/main" id="{D78F2D1B-489B-4E88-AA8B-334B1A25130B}"/>
               </a:ext>
             </a:extLst>
           </p:cNvPr>
@@ -4359,7 +2822,7 @@
         </p:nvSpPr>
         <p:spPr>
           <a:xfrm>
-            <a:off x="107504" y="837059"/>
+            <a:off x="109041" y="980728"/>
             <a:ext cx="8207375" cy="4608165"/>
           </a:xfrm>
         </p:spPr>
@@ -4368,74 +2831,60 @@
           <a:lstStyle/>
           <a:p>
             <a:r>
-              <a:rPr lang="de-DE" sz="2400" dirty="0" err="1"/>
-              <a:t>Esp</a:t>
-            </a:r>
-            <a:r>
-              <a:rPr lang="de-DE" sz="2400" dirty="0"/>
-              <a:t> eröffnet AP unter SSID </a:t>
-            </a:r>
-            <a:r>
-              <a:rPr lang="de-DE" sz="2400" dirty="0" err="1"/>
-              <a:t>ESP_xxx</a:t>
-            </a:r>
-            <a:endParaRPr lang="de-DE" sz="2400" dirty="0"/>
-          </a:p>
-          <a:p>
-            <a:pPr lvl="1"/>
-            <a:r>
               <a:rPr lang="de-DE" sz="2000" dirty="0"/>
-              <a:t>xxx ist die Macadresse</a:t>
-            </a:r>
-          </a:p>
-          <a:p>
-            <a:pPr lvl="1"/>
+              <a:t>ADC1 (Channel 6) über GPIO34</a:t>
+            </a:r>
+          </a:p>
+          <a:p>
             <a:r>
               <a:rPr lang="de-DE" sz="2000" dirty="0"/>
-              <a:t>IP-Adresse 192.168.10.1</a:t>
-            </a:r>
-          </a:p>
-          <a:p>
-            <a:pPr lvl="1"/>
+              <a:t>GND</a:t>
+            </a:r>
+          </a:p>
+          <a:p>
+            <a:r>
+              <a:rPr lang="de-DE" sz="2000" dirty="0"/>
+              <a:t>N wird nicht beschaltet</a:t>
+            </a:r>
+          </a:p>
+          <a:p>
             <a:endParaRPr lang="de-DE" sz="2000" dirty="0"/>
           </a:p>
           <a:p>
-            <a:pPr lvl="1"/>
-            <a:endParaRPr lang="de-DE" sz="2000" dirty="0"/>
-          </a:p>
-          <a:p>
-            <a:pPr lvl="1"/>
-            <a:endParaRPr lang="de-DE" sz="2000" dirty="0"/>
-          </a:p>
-          <a:p>
-            <a:pPr lvl="1"/>
-            <a:endParaRPr lang="de-DE" sz="2000" dirty="0"/>
-          </a:p>
-          <a:p>
-            <a:pPr lvl="1"/>
-            <a:endParaRPr lang="de-DE" sz="2000" dirty="0"/>
-          </a:p>
-          <a:p>
-            <a:pPr lvl="1"/>
-            <a:endParaRPr lang="de-DE" sz="2000" dirty="0"/>
-          </a:p>
-          <a:p>
-            <a:pPr lvl="1"/>
-            <a:endParaRPr lang="de-DE" sz="2000" dirty="0"/>
-          </a:p>
-          <a:p>
-            <a:pPr lvl="1"/>
-            <a:endParaRPr lang="de-DE" sz="2000" dirty="0"/>
-          </a:p>
-          <a:p>
-            <a:pPr lvl="1"/>
             <a:r>
               <a:rPr lang="de-DE" sz="2000" dirty="0"/>
-              <a:t>Ping testet die Erreichbarkeit</a:t>
-            </a:r>
-          </a:p>
-          <a:p>
-            <a:pPr lvl="1"/>
+              <a:t>Phase 2 * durch Kern führen</a:t>
+            </a:r>
+          </a:p>
+          <a:p>
+            <a:r>
+              <a:rPr lang="de-DE" sz="2000" dirty="0"/>
+              <a:t>Messbereich </a:t>
+            </a:r>
+            <a:br>
+              <a:rPr lang="de-DE" sz="2000" dirty="0"/>
+            </a:br>
+            <a:r>
+              <a:rPr lang="de-DE" sz="2000" dirty="0"/>
+              <a:t>erweitern </a:t>
+            </a:r>
+            <a:r>
+              <a:rPr lang="de-DE" sz="2000" dirty="0">
+                <a:sym typeface="Wingdings" panose="05000000000000000000" pitchFamily="2" charset="2"/>
+              </a:rPr>
+              <a:t> </a:t>
+            </a:r>
+            <a:br>
+              <a:rPr lang="de-DE" sz="2000" dirty="0">
+                <a:sym typeface="Wingdings" panose="05000000000000000000" pitchFamily="2" charset="2"/>
+              </a:rPr>
+            </a:br>
+            <a:r>
+              <a:rPr lang="de-DE" sz="2000" dirty="0">
+                <a:sym typeface="Wingdings" panose="05000000000000000000" pitchFamily="2" charset="2"/>
+              </a:rPr>
+              <a:t>1 * durch Kern</a:t>
+            </a:r>
             <a:endParaRPr lang="de-DE" sz="2000" dirty="0"/>
           </a:p>
         </p:txBody>
@@ -4445,7 +2894,7 @@
           <p:cNvPr id="4" name="Grafik 3">
             <a:extLst>
               <a:ext uri="{FF2B5EF4-FFF2-40B4-BE49-F238E27FC236}">
-                <a16:creationId xmlns:a16="http://schemas.microsoft.com/office/drawing/2014/main" id="{0CE24859-8ACB-48F5-8D33-3B1B9BB6A384}"/>
+                <a16:creationId xmlns:a16="http://schemas.microsoft.com/office/drawing/2014/main" id="{1DB19147-7977-4DA1-AF0A-2C13B2BBEE3A}"/>
               </a:ext>
             </a:extLst>
           </p:cNvPr>
@@ -4462,38 +2911,8 @@
         </p:blipFill>
         <p:spPr>
           <a:xfrm>
-            <a:off x="1804096" y="2026035"/>
-            <a:ext cx="6768752" cy="2780023"/>
-          </a:xfrm>
-          <a:prstGeom prst="rect">
-            <a:avLst/>
-          </a:prstGeom>
-        </p:spPr>
-      </p:pic>
-      <p:pic>
-        <p:nvPicPr>
-          <p:cNvPr id="5" name="Grafik 4">
-            <a:extLst>
-              <a:ext uri="{FF2B5EF4-FFF2-40B4-BE49-F238E27FC236}">
-                <a16:creationId xmlns:a16="http://schemas.microsoft.com/office/drawing/2014/main" id="{416F2746-5162-4FE9-B6B0-CB36BFEDD4B6}"/>
-              </a:ext>
-            </a:extLst>
-          </p:cNvPr>
-          <p:cNvPicPr>
-            <a:picLocks noChangeAspect="1"/>
-          </p:cNvPicPr>
-          <p:nvPr/>
-        </p:nvPicPr>
-        <p:blipFill>
-          <a:blip r:embed="rId3"/>
-          <a:stretch>
-            <a:fillRect/>
-          </a:stretch>
-        </p:blipFill>
-        <p:spPr>
-          <a:xfrm>
-            <a:off x="1934398" y="5445224"/>
-            <a:ext cx="5797024" cy="1152128"/>
+            <a:off x="2411760" y="2846794"/>
+            <a:ext cx="6660232" cy="3871814"/>
           </a:xfrm>
           <a:prstGeom prst="rect">
             <a:avLst/>
@@ -4503,7 +2922,7 @@
     </p:spTree>
     <p:extLst>
       <p:ext uri="{BB962C8B-B14F-4D97-AF65-F5344CB8AC3E}">
-        <p14:creationId xmlns:p14="http://schemas.microsoft.com/office/powerpoint/2010/main" val="3090587017"/>
+        <p14:creationId xmlns:p14="http://schemas.microsoft.com/office/powerpoint/2010/main" val="852519456"/>
       </p:ext>
     </p:extLst>
   </p:cSld>
@@ -4535,7 +2954,7 @@
           <p:cNvPr id="2" name="Titel 1">
             <a:extLst>
               <a:ext uri="{FF2B5EF4-FFF2-40B4-BE49-F238E27FC236}">
-                <a16:creationId xmlns:a16="http://schemas.microsoft.com/office/drawing/2014/main" id="{751BACC3-534E-419D-94F4-E9364DCDDA3F}"/>
+                <a16:creationId xmlns:a16="http://schemas.microsoft.com/office/drawing/2014/main" id="{84540683-C0D0-4417-8CD3-705FD61ECF2D}"/>
               </a:ext>
             </a:extLst>
           </p:cNvPr>
@@ -4552,10 +2971,9 @@
           <a:lstStyle/>
           <a:p>
             <a:r>
-              <a:rPr lang="de-DE" dirty="0" err="1"/>
-              <a:t>ApHttpServerTest</a:t>
-            </a:r>
-            <a:endParaRPr lang="de-DE" dirty="0"/>
+              <a:rPr lang="de-DE" dirty="0"/>
+              <a:t>Library Power</a:t>
+            </a:r>
           </a:p>
         </p:txBody>
       </p:sp>
@@ -4564,7 +2982,7 @@
           <p:cNvPr id="3" name="Textplatzhalter 2">
             <a:extLst>
               <a:ext uri="{FF2B5EF4-FFF2-40B4-BE49-F238E27FC236}">
-                <a16:creationId xmlns:a16="http://schemas.microsoft.com/office/drawing/2014/main" id="{3C2AC6D3-589E-4150-95F1-FE449424A752}"/>
+                <a16:creationId xmlns:a16="http://schemas.microsoft.com/office/drawing/2014/main" id="{DA3605B4-3115-4F51-B6E0-B76D7A049F4A}"/>
               </a:ext>
             </a:extLst>
           </p:cNvPr>
@@ -4577,7 +2995,7 @@
         </p:nvSpPr>
         <p:spPr>
           <a:xfrm>
-            <a:off x="179512" y="980728"/>
+            <a:off x="323528" y="980728"/>
             <a:ext cx="8207375" cy="4608165"/>
           </a:xfrm>
         </p:spPr>
@@ -4586,579 +3004,107 @@
           <a:lstStyle/>
           <a:p>
             <a:r>
-              <a:rPr lang="de-DE" dirty="0"/>
-              <a:t>Testen einzelner Routen</a:t>
+              <a:rPr lang="de-DE" sz="2400" dirty="0"/>
+              <a:t>In einem Hintergrundtask wird die Leistung alle Sekunden gemessen</a:t>
             </a:r>
           </a:p>
           <a:p>
             <a:pPr lvl="1"/>
             <a:r>
-              <a:rPr lang="de-DE" dirty="0"/>
-              <a:t>Echo</a:t>
+              <a:rPr lang="de-DE" sz="2000" dirty="0"/>
+              <a:t>Bei 50 Hz </a:t>
+            </a:r>
+            <a:r>
+              <a:rPr lang="de-DE" sz="2000" dirty="0">
+                <a:sym typeface="Wingdings" panose="05000000000000000000" pitchFamily="2" charset="2"/>
+              </a:rPr>
+              <a:t> Periodendauer 20 </a:t>
+            </a:r>
+            <a:r>
+              <a:rPr lang="de-DE" sz="2000" dirty="0" err="1">
+                <a:sym typeface="Wingdings" panose="05000000000000000000" pitchFamily="2" charset="2"/>
+              </a:rPr>
+              <a:t>ms</a:t>
+            </a:r>
+            <a:endParaRPr lang="de-DE" sz="2000" dirty="0">
+              <a:sym typeface="Wingdings" panose="05000000000000000000" pitchFamily="2" charset="2"/>
+            </a:endParaRPr>
+          </a:p>
+          <a:p>
+            <a:pPr lvl="2"/>
+            <a:r>
+              <a:rPr lang="de-DE" sz="2000" dirty="0">
+                <a:sym typeface="Wingdings" panose="05000000000000000000" pitchFamily="2" charset="2"/>
+              </a:rPr>
+              <a:t>Zwei Perioden lang messen</a:t>
+            </a:r>
+          </a:p>
+          <a:p>
+            <a:pPr lvl="2"/>
+            <a:r>
+              <a:rPr lang="de-DE" sz="2000" dirty="0">
+                <a:sym typeface="Wingdings" panose="05000000000000000000" pitchFamily="2" charset="2"/>
+              </a:rPr>
+              <a:t>Empirisch ermittelt  1000 Messungen</a:t>
             </a:r>
           </a:p>
           <a:p>
             <a:pPr lvl="1"/>
             <a:r>
-              <a:rPr lang="de-DE" dirty="0"/>
-              <a:t>Konfiguration setzen</a:t>
+              <a:rPr lang="de-DE" sz="2000" dirty="0" err="1">
+                <a:sym typeface="Wingdings" panose="05000000000000000000" pitchFamily="2" charset="2"/>
+              </a:rPr>
+              <a:t>Aufintegrieren</a:t>
+            </a:r>
+            <a:r>
+              <a:rPr lang="de-DE" sz="2000" dirty="0">
+                <a:sym typeface="Wingdings" panose="05000000000000000000" pitchFamily="2" charset="2"/>
+              </a:rPr>
+              <a:t> der Messwerte</a:t>
+            </a:r>
+          </a:p>
+          <a:p>
+            <a:pPr lvl="1"/>
+            <a:r>
+              <a:rPr lang="de-DE" sz="2000" dirty="0">
+                <a:sym typeface="Wingdings" panose="05000000000000000000" pitchFamily="2" charset="2"/>
+              </a:rPr>
+              <a:t>Über Proportionalitätskonstante auf Leistung umrechnen</a:t>
             </a:r>
           </a:p>
           <a:p>
             <a:pPr lvl="2"/>
             <a:r>
-              <a:rPr lang="de-DE" dirty="0"/>
-              <a:t>SSID/Password</a:t>
-            </a:r>
-          </a:p>
-          <a:p>
-            <a:pPr lvl="2"/>
-            <a:endParaRPr lang="de-DE" dirty="0"/>
+              <a:rPr lang="de-DE" sz="2000" dirty="0">
+                <a:sym typeface="Wingdings" panose="05000000000000000000" pitchFamily="2" charset="2"/>
+              </a:rPr>
+              <a:t>Mit Leistungsmessgerät vergleichen</a:t>
+            </a:r>
+          </a:p>
+          <a:p>
+            <a:r>
+              <a:rPr lang="de-DE" sz="2400" dirty="0">
+                <a:sym typeface="Wingdings" panose="05000000000000000000" pitchFamily="2" charset="2"/>
+              </a:rPr>
+              <a:t>Letzter Messwert Wert steht zur Abfrage bereit</a:t>
+            </a:r>
+          </a:p>
+          <a:p>
+            <a:pPr lvl="1"/>
+            <a:r>
+              <a:rPr lang="de-DE" sz="2200" dirty="0">
+                <a:sym typeface="Wingdings" panose="05000000000000000000" pitchFamily="2" charset="2"/>
+              </a:rPr>
+              <a:t>-1 im Fehlerfall</a:t>
+            </a:r>
+            <a:endParaRPr lang="de-DE" sz="2200" dirty="0"/>
           </a:p>
         </p:txBody>
       </p:sp>
-      <p:pic>
-        <p:nvPicPr>
-          <p:cNvPr id="4" name="Grafik 3">
-            <a:extLst>
-              <a:ext uri="{FF2B5EF4-FFF2-40B4-BE49-F238E27FC236}">
-                <a16:creationId xmlns:a16="http://schemas.microsoft.com/office/drawing/2014/main" id="{EACE8EF6-93B6-477B-8A33-9CA01149FA29}"/>
-              </a:ext>
-            </a:extLst>
-          </p:cNvPr>
-          <p:cNvPicPr>
-            <a:picLocks noChangeAspect="1"/>
-          </p:cNvPicPr>
-          <p:nvPr/>
-        </p:nvPicPr>
-        <p:blipFill>
-          <a:blip r:embed="rId2"/>
-          <a:stretch>
-            <a:fillRect/>
-          </a:stretch>
-        </p:blipFill>
-        <p:spPr>
-          <a:xfrm>
-            <a:off x="1619672" y="3081132"/>
-            <a:ext cx="6065336" cy="3363076"/>
-          </a:xfrm>
-          <a:prstGeom prst="rect">
-            <a:avLst/>
-          </a:prstGeom>
-        </p:spPr>
-      </p:pic>
     </p:spTree>
     <p:extLst>
       <p:ext uri="{BB962C8B-B14F-4D97-AF65-F5344CB8AC3E}">
-        <p14:creationId xmlns:p14="http://schemas.microsoft.com/office/powerpoint/2010/main" val="972816039"/>
-      </p:ext>
-    </p:extLst>
-  </p:cSld>
-  <p:clrMapOvr>
-    <a:masterClrMapping/>
-  </p:clrMapOvr>
-</p:sld>
-</file>
-
-<file path=ppt/slides/slide7.xml><?xml version="1.0" encoding="utf-8"?>
-<p:sld xmlns:a="http://schemas.openxmlformats.org/drawingml/2006/main" xmlns:r="http://schemas.openxmlformats.org/officeDocument/2006/relationships" xmlns:p="http://schemas.openxmlformats.org/presentationml/2006/main">
-  <p:cSld>
-    <p:spTree>
-      <p:nvGrpSpPr>
-        <p:cNvPr id="1" name=""/>
-        <p:cNvGrpSpPr/>
-        <p:nvPr/>
-      </p:nvGrpSpPr>
-      <p:grpSpPr>
-        <a:xfrm>
-          <a:off x="0" y="0"/>
-          <a:ext cx="0" cy="0"/>
-          <a:chOff x="0" y="0"/>
-          <a:chExt cx="0" cy="0"/>
-        </a:xfrm>
-      </p:grpSpPr>
-      <p:sp>
-        <p:nvSpPr>
-          <p:cNvPr id="2" name="Titel 1">
-            <a:extLst>
-              <a:ext uri="{FF2B5EF4-FFF2-40B4-BE49-F238E27FC236}">
-                <a16:creationId xmlns:a16="http://schemas.microsoft.com/office/drawing/2014/main" id="{AF81C6C7-C6A7-419A-B5D6-5420FD7C1A30}"/>
-              </a:ext>
-            </a:extLst>
-          </p:cNvPr>
-          <p:cNvSpPr>
-            <a:spLocks noGrp="1"/>
-          </p:cNvSpPr>
-          <p:nvPr>
-            <p:ph type="title"/>
-          </p:nvPr>
-        </p:nvSpPr>
-        <p:spPr/>
-        <p:txBody>
-          <a:bodyPr/>
-          <a:lstStyle/>
-          <a:p>
-            <a:r>
-              <a:rPr lang="de-DE" dirty="0"/>
-              <a:t>Echo-Route testen</a:t>
-            </a:r>
-          </a:p>
-        </p:txBody>
-      </p:sp>
-      <p:sp>
-        <p:nvSpPr>
-          <p:cNvPr id="3" name="Textplatzhalter 2">
-            <a:extLst>
-              <a:ext uri="{FF2B5EF4-FFF2-40B4-BE49-F238E27FC236}">
-                <a16:creationId xmlns:a16="http://schemas.microsoft.com/office/drawing/2014/main" id="{C05EC5F5-C967-435F-BA02-AB937E71C5BC}"/>
-              </a:ext>
-            </a:extLst>
-          </p:cNvPr>
-          <p:cNvSpPr>
-            <a:spLocks noGrp="1"/>
-          </p:cNvSpPr>
-          <p:nvPr>
-            <p:ph type="body" sz="quarter" idx="10"/>
-          </p:nvPr>
-        </p:nvSpPr>
-        <p:spPr/>
-        <p:txBody>
-          <a:bodyPr/>
-          <a:lstStyle/>
-          <a:p>
-            <a:r>
-              <a:rPr lang="de-DE" dirty="0"/>
-              <a:t>Ohne </a:t>
-            </a:r>
-            <a:r>
-              <a:rPr lang="de-DE" dirty="0" err="1"/>
-              <a:t>Querystringparameter</a:t>
-            </a:r>
-            <a:r>
-              <a:rPr lang="de-DE" dirty="0"/>
-              <a:t>:</a:t>
-            </a:r>
-          </a:p>
-          <a:p>
-            <a:pPr lvl="1"/>
-            <a:r>
-              <a:rPr lang="de-DE" dirty="0">
-                <a:hlinkClick r:id="rId2"/>
-              </a:rPr>
-              <a:t>http://192.168.10.1/echo</a:t>
-            </a:r>
-            <a:r>
-              <a:rPr lang="de-DE" dirty="0"/>
-              <a:t> </a:t>
-            </a:r>
-          </a:p>
-          <a:p>
-            <a:endParaRPr lang="de-DE" dirty="0"/>
-          </a:p>
-          <a:p>
-            <a:pPr lvl="1"/>
-            <a:endParaRPr lang="de-DE" dirty="0"/>
-          </a:p>
-          <a:p>
-            <a:endParaRPr lang="de-DE" dirty="0"/>
-          </a:p>
-        </p:txBody>
-      </p:sp>
-      <p:pic>
-        <p:nvPicPr>
-          <p:cNvPr id="4" name="Grafik 3">
-            <a:extLst>
-              <a:ext uri="{FF2B5EF4-FFF2-40B4-BE49-F238E27FC236}">
-                <a16:creationId xmlns:a16="http://schemas.microsoft.com/office/drawing/2014/main" id="{5FC750EB-8838-451D-B9FC-5326A8DBDD9E}"/>
-              </a:ext>
-            </a:extLst>
-          </p:cNvPr>
-          <p:cNvPicPr>
-            <a:picLocks noChangeAspect="1"/>
-          </p:cNvPicPr>
-          <p:nvPr/>
-        </p:nvPicPr>
-        <p:blipFill>
-          <a:blip r:embed="rId3"/>
-          <a:stretch>
-            <a:fillRect/>
-          </a:stretch>
-        </p:blipFill>
-        <p:spPr>
-          <a:xfrm>
-            <a:off x="1691680" y="2564903"/>
-            <a:ext cx="4032448" cy="2346467"/>
-          </a:xfrm>
-          <a:prstGeom prst="rect">
-            <a:avLst/>
-          </a:prstGeom>
-        </p:spPr>
-      </p:pic>
-      <p:pic>
-        <p:nvPicPr>
-          <p:cNvPr id="5" name="Grafik 4">
-            <a:extLst>
-              <a:ext uri="{FF2B5EF4-FFF2-40B4-BE49-F238E27FC236}">
-                <a16:creationId xmlns:a16="http://schemas.microsoft.com/office/drawing/2014/main" id="{EEE90DFC-0DE6-40A1-8DA5-69DC3FE8476C}"/>
-              </a:ext>
-            </a:extLst>
-          </p:cNvPr>
-          <p:cNvPicPr>
-            <a:picLocks noChangeAspect="1"/>
-          </p:cNvPicPr>
-          <p:nvPr/>
-        </p:nvPicPr>
-        <p:blipFill>
-          <a:blip r:embed="rId4"/>
-          <a:stretch>
-            <a:fillRect/>
-          </a:stretch>
-        </p:blipFill>
-        <p:spPr>
-          <a:xfrm>
-            <a:off x="251520" y="4984514"/>
-            <a:ext cx="8810770" cy="748741"/>
-          </a:xfrm>
-          <a:prstGeom prst="rect">
-            <a:avLst/>
-          </a:prstGeom>
-        </p:spPr>
-      </p:pic>
-    </p:spTree>
-    <p:extLst>
-      <p:ext uri="{BB962C8B-B14F-4D97-AF65-F5344CB8AC3E}">
-        <p14:creationId xmlns:p14="http://schemas.microsoft.com/office/powerpoint/2010/main" val="4037588035"/>
-      </p:ext>
-    </p:extLst>
-  </p:cSld>
-  <p:clrMapOvr>
-    <a:masterClrMapping/>
-  </p:clrMapOvr>
-</p:sld>
-</file>
-
-<file path=ppt/slides/slide8.xml><?xml version="1.0" encoding="utf-8"?>
-<p:sld xmlns:a="http://schemas.openxmlformats.org/drawingml/2006/main" xmlns:r="http://schemas.openxmlformats.org/officeDocument/2006/relationships" xmlns:p="http://schemas.openxmlformats.org/presentationml/2006/main">
-  <p:cSld>
-    <p:spTree>
-      <p:nvGrpSpPr>
-        <p:cNvPr id="1" name=""/>
-        <p:cNvGrpSpPr/>
-        <p:nvPr/>
-      </p:nvGrpSpPr>
-      <p:grpSpPr>
-        <a:xfrm>
-          <a:off x="0" y="0"/>
-          <a:ext cx="0" cy="0"/>
-          <a:chOff x="0" y="0"/>
-          <a:chExt cx="0" cy="0"/>
-        </a:xfrm>
-      </p:grpSpPr>
-      <p:sp>
-        <p:nvSpPr>
-          <p:cNvPr id="2" name="Titel 1">
-            <a:extLst>
-              <a:ext uri="{FF2B5EF4-FFF2-40B4-BE49-F238E27FC236}">
-                <a16:creationId xmlns:a16="http://schemas.microsoft.com/office/drawing/2014/main" id="{AF81C6C7-C6A7-419A-B5D6-5420FD7C1A30}"/>
-              </a:ext>
-            </a:extLst>
-          </p:cNvPr>
-          <p:cNvSpPr>
-            <a:spLocks noGrp="1"/>
-          </p:cNvSpPr>
-          <p:nvPr>
-            <p:ph type="title"/>
-          </p:nvPr>
-        </p:nvSpPr>
-        <p:spPr/>
-        <p:txBody>
-          <a:bodyPr>
-            <a:normAutofit/>
-          </a:bodyPr>
-          <a:lstStyle/>
-          <a:p>
-            <a:r>
-              <a:rPr lang="de-DE" sz="2800" dirty="0"/>
-              <a:t>Echo-Route testen mit </a:t>
-            </a:r>
-            <a:r>
-              <a:rPr lang="de-DE" sz="2800" dirty="0" err="1"/>
-              <a:t>QueryStringParameter</a:t>
-            </a:r>
-            <a:endParaRPr lang="de-DE" sz="2800" dirty="0"/>
-          </a:p>
-        </p:txBody>
-      </p:sp>
-      <p:sp>
-        <p:nvSpPr>
-          <p:cNvPr id="3" name="Textplatzhalter 2">
-            <a:extLst>
-              <a:ext uri="{FF2B5EF4-FFF2-40B4-BE49-F238E27FC236}">
-                <a16:creationId xmlns:a16="http://schemas.microsoft.com/office/drawing/2014/main" id="{C05EC5F5-C967-435F-BA02-AB937E71C5BC}"/>
-              </a:ext>
-            </a:extLst>
-          </p:cNvPr>
-          <p:cNvSpPr>
-            <a:spLocks noGrp="1"/>
-          </p:cNvSpPr>
-          <p:nvPr>
-            <p:ph type="body" sz="quarter" idx="10"/>
-          </p:nvPr>
-        </p:nvSpPr>
-        <p:spPr/>
-        <p:txBody>
-          <a:bodyPr/>
-          <a:lstStyle/>
-          <a:p>
-            <a:r>
-              <a:rPr lang="de-DE" dirty="0"/>
-              <a:t>Mit </a:t>
-            </a:r>
-            <a:r>
-              <a:rPr lang="de-DE" dirty="0" err="1"/>
-              <a:t>Querystringparameter</a:t>
-            </a:r>
-            <a:r>
-              <a:rPr lang="de-DE" dirty="0"/>
-              <a:t>:</a:t>
-            </a:r>
-          </a:p>
-          <a:p>
-            <a:pPr lvl="1"/>
-            <a:r>
-              <a:rPr lang="de-DE" dirty="0">
-                <a:hlinkClick r:id="rId2"/>
-              </a:rPr>
-              <a:t>http://192.168.10.1/echo?Hello</a:t>
-            </a:r>
-            <a:r>
-              <a:rPr lang="de-DE" dirty="0"/>
-              <a:t>	 </a:t>
-            </a:r>
-          </a:p>
-          <a:p>
-            <a:endParaRPr lang="de-DE" dirty="0"/>
-          </a:p>
-          <a:p>
-            <a:pPr lvl="1"/>
-            <a:endParaRPr lang="de-DE" dirty="0"/>
-          </a:p>
-          <a:p>
-            <a:endParaRPr lang="de-DE" dirty="0"/>
-          </a:p>
-        </p:txBody>
-      </p:sp>
-      <p:pic>
-        <p:nvPicPr>
-          <p:cNvPr id="6" name="Grafik 5">
-            <a:extLst>
-              <a:ext uri="{FF2B5EF4-FFF2-40B4-BE49-F238E27FC236}">
-                <a16:creationId xmlns:a16="http://schemas.microsoft.com/office/drawing/2014/main" id="{AA0117D0-C089-42F8-A7E4-9E04C1799DDE}"/>
-              </a:ext>
-            </a:extLst>
-          </p:cNvPr>
-          <p:cNvPicPr>
-            <a:picLocks noChangeAspect="1"/>
-          </p:cNvPicPr>
-          <p:nvPr/>
-        </p:nvPicPr>
-        <p:blipFill>
-          <a:blip r:embed="rId3"/>
-          <a:stretch>
-            <a:fillRect/>
-          </a:stretch>
-        </p:blipFill>
-        <p:spPr>
-          <a:xfrm>
-            <a:off x="2446797" y="2400328"/>
-            <a:ext cx="2210108" cy="1143160"/>
-          </a:xfrm>
-          <a:prstGeom prst="rect">
-            <a:avLst/>
-          </a:prstGeom>
-        </p:spPr>
-      </p:pic>
-      <p:pic>
-        <p:nvPicPr>
-          <p:cNvPr id="7" name="Grafik 6">
-            <a:extLst>
-              <a:ext uri="{FF2B5EF4-FFF2-40B4-BE49-F238E27FC236}">
-                <a16:creationId xmlns:a16="http://schemas.microsoft.com/office/drawing/2014/main" id="{4266E4FB-A7B2-4EAC-8EAF-D657B122C613}"/>
-              </a:ext>
-            </a:extLst>
-          </p:cNvPr>
-          <p:cNvPicPr>
-            <a:picLocks noChangeAspect="1"/>
-          </p:cNvPicPr>
-          <p:nvPr/>
-        </p:nvPicPr>
-        <p:blipFill>
-          <a:blip r:embed="rId4"/>
-          <a:stretch>
-            <a:fillRect/>
-          </a:stretch>
-        </p:blipFill>
-        <p:spPr>
-          <a:xfrm>
-            <a:off x="611560" y="3861048"/>
-            <a:ext cx="8555232" cy="720080"/>
-          </a:xfrm>
-          <a:prstGeom prst="rect">
-            <a:avLst/>
-          </a:prstGeom>
-        </p:spPr>
-      </p:pic>
-    </p:spTree>
-    <p:extLst>
-      <p:ext uri="{BB962C8B-B14F-4D97-AF65-F5344CB8AC3E}">
-        <p14:creationId xmlns:p14="http://schemas.microsoft.com/office/powerpoint/2010/main" val="164780839"/>
-      </p:ext>
-    </p:extLst>
-  </p:cSld>
-  <p:clrMapOvr>
-    <a:masterClrMapping/>
-  </p:clrMapOvr>
-</p:sld>
-</file>
-
-<file path=ppt/slides/slide9.xml><?xml version="1.0" encoding="utf-8"?>
-<p:sld xmlns:a="http://schemas.openxmlformats.org/drawingml/2006/main" xmlns:r="http://schemas.openxmlformats.org/officeDocument/2006/relationships" xmlns:p="http://schemas.openxmlformats.org/presentationml/2006/main">
-  <p:cSld>
-    <p:spTree>
-      <p:nvGrpSpPr>
-        <p:cNvPr id="1" name=""/>
-        <p:cNvGrpSpPr/>
-        <p:nvPr/>
-      </p:nvGrpSpPr>
-      <p:grpSpPr>
-        <a:xfrm>
-          <a:off x="0" y="0"/>
-          <a:ext cx="0" cy="0"/>
-          <a:chOff x="0" y="0"/>
-          <a:chExt cx="0" cy="0"/>
-        </a:xfrm>
-      </p:grpSpPr>
-      <p:sp>
-        <p:nvSpPr>
-          <p:cNvPr id="2" name="Titel 1">
-            <a:extLst>
-              <a:ext uri="{FF2B5EF4-FFF2-40B4-BE49-F238E27FC236}">
-                <a16:creationId xmlns:a16="http://schemas.microsoft.com/office/drawing/2014/main" id="{B5D9FEDA-41DE-49E7-AA74-4A32E93D4133}"/>
-              </a:ext>
-            </a:extLst>
-          </p:cNvPr>
-          <p:cNvSpPr>
-            <a:spLocks noGrp="1"/>
-          </p:cNvSpPr>
-          <p:nvPr>
-            <p:ph type="title"/>
-          </p:nvPr>
-        </p:nvSpPr>
-        <p:spPr/>
-        <p:txBody>
-          <a:bodyPr/>
-          <a:lstStyle/>
-          <a:p>
-            <a:r>
-              <a:rPr lang="de-DE" dirty="0" err="1"/>
-              <a:t>EspConfig</a:t>
-            </a:r>
-            <a:endParaRPr lang="de-DE" dirty="0"/>
-          </a:p>
-        </p:txBody>
-      </p:sp>
-      <p:sp>
-        <p:nvSpPr>
-          <p:cNvPr id="3" name="Textplatzhalter 2">
-            <a:extLst>
-              <a:ext uri="{FF2B5EF4-FFF2-40B4-BE49-F238E27FC236}">
-                <a16:creationId xmlns:a16="http://schemas.microsoft.com/office/drawing/2014/main" id="{364852D6-B079-42CF-888F-A29BE9ADB1F5}"/>
-              </a:ext>
-            </a:extLst>
-          </p:cNvPr>
-          <p:cNvSpPr>
-            <a:spLocks noGrp="1"/>
-          </p:cNvSpPr>
-          <p:nvPr>
-            <p:ph type="body" sz="quarter" idx="10"/>
-          </p:nvPr>
-        </p:nvSpPr>
-        <p:spPr>
-          <a:xfrm>
-            <a:off x="251520" y="980728"/>
-            <a:ext cx="8207375" cy="4608165"/>
-          </a:xfrm>
-        </p:spPr>
-        <p:txBody>
-          <a:bodyPr/>
-          <a:lstStyle/>
-          <a:p>
-            <a:r>
-              <a:rPr lang="de-DE" dirty="0" err="1"/>
-              <a:t>Esp</a:t>
-            </a:r>
-            <a:r>
-              <a:rPr lang="de-DE" dirty="0"/>
-              <a:t> wartet als AP unter 192.168.0.10 auf WiFi-Konfiguration</a:t>
-            </a:r>
-          </a:p>
-          <a:p>
-            <a:r>
-              <a:rPr lang="de-DE" dirty="0"/>
-              <a:t>Einige Settings sind vorgegeben und leer</a:t>
-            </a:r>
-          </a:p>
-          <a:p>
-            <a:pPr lvl="1"/>
-            <a:r>
-              <a:rPr lang="de-DE" dirty="0"/>
-              <a:t>Bei Bedarf über /</a:t>
-            </a:r>
-            <a:r>
-              <a:rPr lang="de-DE" dirty="0" err="1"/>
-              <a:t>clearconfig</a:t>
-            </a:r>
-            <a:r>
-              <a:rPr lang="de-DE" dirty="0"/>
-              <a:t> rücksetzen</a:t>
-            </a:r>
-          </a:p>
-        </p:txBody>
-      </p:sp>
-      <p:pic>
-        <p:nvPicPr>
-          <p:cNvPr id="4" name="Grafik 3">
-            <a:extLst>
-              <a:ext uri="{FF2B5EF4-FFF2-40B4-BE49-F238E27FC236}">
-                <a16:creationId xmlns:a16="http://schemas.microsoft.com/office/drawing/2014/main" id="{1723B815-84F8-4287-8153-32F191F3F955}"/>
-              </a:ext>
-            </a:extLst>
-          </p:cNvPr>
-          <p:cNvPicPr>
-            <a:picLocks noChangeAspect="1"/>
-          </p:cNvPicPr>
-          <p:nvPr/>
-        </p:nvPicPr>
-        <p:blipFill>
-          <a:blip r:embed="rId2"/>
-          <a:stretch>
-            <a:fillRect/>
-          </a:stretch>
-        </p:blipFill>
-        <p:spPr>
-          <a:xfrm>
-            <a:off x="567002" y="3140968"/>
-            <a:ext cx="7891893" cy="2892647"/>
-          </a:xfrm>
-          <a:prstGeom prst="rect">
-            <a:avLst/>
-          </a:prstGeom>
-        </p:spPr>
-      </p:pic>
-    </p:spTree>
-    <p:extLst>
-      <p:ext uri="{BB962C8B-B14F-4D97-AF65-F5344CB8AC3E}">
-        <p14:creationId xmlns:p14="http://schemas.microsoft.com/office/powerpoint/2010/main" val="3248875750"/>
+        <p14:creationId xmlns:p14="http://schemas.microsoft.com/office/powerpoint/2010/main" val="3135235726"/>
       </p:ext>
     </p:extLst>
   </p:cSld>
